--- a/RapportChouetteAgence.pptx
+++ b/RapportChouetteAgence.pptx
@@ -11,18 +11,10 @@
     <p:sldId id="273" r:id="rId5"/>
     <p:sldId id="265" r:id="rId6"/>
     <p:sldId id="261" r:id="rId7"/>
-    <p:sldId id="262" r:id="rId8"/>
-    <p:sldId id="257" r:id="rId9"/>
-    <p:sldId id="258" r:id="rId10"/>
-    <p:sldId id="263" r:id="rId11"/>
-    <p:sldId id="264" r:id="rId12"/>
-    <p:sldId id="266" r:id="rId13"/>
-    <p:sldId id="268" r:id="rId14"/>
-    <p:sldId id="269" r:id="rId15"/>
-    <p:sldId id="270" r:id="rId16"/>
-    <p:sldId id="271" r:id="rId17"/>
-    <p:sldId id="272" r:id="rId18"/>
-    <p:sldId id="267" r:id="rId19"/>
+    <p:sldId id="274" r:id="rId8"/>
+    <p:sldId id="275" r:id="rId9"/>
+    <p:sldId id="276" r:id="rId10"/>
+    <p:sldId id="262" r:id="rId11"/>
   </p:sldIdLst>
   <p:sldSz cx="12192000" cy="6858000"/>
   <p:notesSz cx="6858000" cy="9144000"/>
@@ -276,7 +268,7 @@
           <a:p>
             <a:fld id="{C407FC31-EE5F-AB47-94AE-5B6E4A08FFAA}" type="datetimeFigureOut">
               <a:rPr lang="fr-FR" smtClean="0"/>
-              <a:t>08/08/2021</a:t>
+              <a:t>13/08/2021</a:t>
             </a:fld>
             <a:endParaRPr lang="fr-FR"/>
           </a:p>
@@ -474,7 +466,7 @@
           <a:p>
             <a:fld id="{C407FC31-EE5F-AB47-94AE-5B6E4A08FFAA}" type="datetimeFigureOut">
               <a:rPr lang="fr-FR" smtClean="0"/>
-              <a:t>08/08/2021</a:t>
+              <a:t>13/08/2021</a:t>
             </a:fld>
             <a:endParaRPr lang="fr-FR"/>
           </a:p>
@@ -682,7 +674,7 @@
           <a:p>
             <a:fld id="{C407FC31-EE5F-AB47-94AE-5B6E4A08FFAA}" type="datetimeFigureOut">
               <a:rPr lang="fr-FR" smtClean="0"/>
-              <a:t>08/08/2021</a:t>
+              <a:t>13/08/2021</a:t>
             </a:fld>
             <a:endParaRPr lang="fr-FR"/>
           </a:p>
@@ -880,7 +872,7 @@
           <a:p>
             <a:fld id="{C407FC31-EE5F-AB47-94AE-5B6E4A08FFAA}" type="datetimeFigureOut">
               <a:rPr lang="fr-FR" smtClean="0"/>
-              <a:t>08/08/2021</a:t>
+              <a:t>13/08/2021</a:t>
             </a:fld>
             <a:endParaRPr lang="fr-FR"/>
           </a:p>
@@ -1155,7 +1147,7 @@
           <a:p>
             <a:fld id="{C407FC31-EE5F-AB47-94AE-5B6E4A08FFAA}" type="datetimeFigureOut">
               <a:rPr lang="fr-FR" smtClean="0"/>
-              <a:t>08/08/2021</a:t>
+              <a:t>13/08/2021</a:t>
             </a:fld>
             <a:endParaRPr lang="fr-FR"/>
           </a:p>
@@ -1420,7 +1412,7 @@
           <a:p>
             <a:fld id="{C407FC31-EE5F-AB47-94AE-5B6E4A08FFAA}" type="datetimeFigureOut">
               <a:rPr lang="fr-FR" smtClean="0"/>
-              <a:t>08/08/2021</a:t>
+              <a:t>13/08/2021</a:t>
             </a:fld>
             <a:endParaRPr lang="fr-FR"/>
           </a:p>
@@ -1832,7 +1824,7 @@
           <a:p>
             <a:fld id="{C407FC31-EE5F-AB47-94AE-5B6E4A08FFAA}" type="datetimeFigureOut">
               <a:rPr lang="fr-FR" smtClean="0"/>
-              <a:t>08/08/2021</a:t>
+              <a:t>13/08/2021</a:t>
             </a:fld>
             <a:endParaRPr lang="fr-FR"/>
           </a:p>
@@ -1973,7 +1965,7 @@
           <a:p>
             <a:fld id="{C407FC31-EE5F-AB47-94AE-5B6E4A08FFAA}" type="datetimeFigureOut">
               <a:rPr lang="fr-FR" smtClean="0"/>
-              <a:t>08/08/2021</a:t>
+              <a:t>13/08/2021</a:t>
             </a:fld>
             <a:endParaRPr lang="fr-FR"/>
           </a:p>
@@ -2086,7 +2078,7 @@
           <a:p>
             <a:fld id="{C407FC31-EE5F-AB47-94AE-5B6E4A08FFAA}" type="datetimeFigureOut">
               <a:rPr lang="fr-FR" smtClean="0"/>
-              <a:t>08/08/2021</a:t>
+              <a:t>13/08/2021</a:t>
             </a:fld>
             <a:endParaRPr lang="fr-FR"/>
           </a:p>
@@ -2397,7 +2389,7 @@
           <a:p>
             <a:fld id="{C407FC31-EE5F-AB47-94AE-5B6E4A08FFAA}" type="datetimeFigureOut">
               <a:rPr lang="fr-FR" smtClean="0"/>
-              <a:t>08/08/2021</a:t>
+              <a:t>13/08/2021</a:t>
             </a:fld>
             <a:endParaRPr lang="fr-FR"/>
           </a:p>
@@ -2685,7 +2677,7 @@
           <a:p>
             <a:fld id="{C407FC31-EE5F-AB47-94AE-5B6E4A08FFAA}" type="datetimeFigureOut">
               <a:rPr lang="fr-FR" smtClean="0"/>
-              <a:t>08/08/2021</a:t>
+              <a:t>13/08/2021</a:t>
             </a:fld>
             <a:endParaRPr lang="fr-FR"/>
           </a:p>
@@ -2926,7 +2918,7 @@
           <a:p>
             <a:fld id="{C407FC31-EE5F-AB47-94AE-5B6E4A08FFAA}" type="datetimeFigureOut">
               <a:rPr lang="fr-FR" smtClean="0"/>
-              <a:t>08/08/2021</a:t>
+              <a:t>13/08/2021</a:t>
             </a:fld>
             <a:endParaRPr lang="fr-FR"/>
           </a:p>
@@ -3413,6 +3405,41 @@
           </a:prstGeom>
         </p:spPr>
       </p:pic>
+      <p:sp>
+        <p:nvSpPr>
+          <p:cNvPr id="3" name="ZoneTexte 2">
+            <a:extLst>
+              <a:ext uri="{FF2B5EF4-FFF2-40B4-BE49-F238E27FC236}">
+                <a16:creationId xmlns:a16="http://schemas.microsoft.com/office/drawing/2014/main" id="{6EF99FDA-6D3E-1349-ACF5-04A205C0CFEC}"/>
+              </a:ext>
+            </a:extLst>
+          </p:cNvPr>
+          <p:cNvSpPr txBox="1"/>
+          <p:nvPr/>
+        </p:nvSpPr>
+        <p:spPr>
+          <a:xfrm>
+            <a:off x="5423892" y="6089174"/>
+            <a:ext cx="1344214" cy="369332"/>
+          </a:xfrm>
+          <a:prstGeom prst="rect">
+            <a:avLst/>
+          </a:prstGeom>
+          <a:noFill/>
+        </p:spPr>
+        <p:txBody>
+          <a:bodyPr wrap="none" rtlCol="0">
+            <a:spAutoFit/>
+          </a:bodyPr>
+          <a:lstStyle/>
+          <a:p>
+            <a:r>
+              <a:rPr lang="fr-FR" dirty="0"/>
+              <a:t>Version 1.00</a:t>
+            </a:r>
+          </a:p>
+        </p:txBody>
+      </p:sp>
     </p:spTree>
     <p:extLst>
       <p:ext uri="{BB962C8B-B14F-4D97-AF65-F5344CB8AC3E}">
@@ -3446,97 +3473,21 @@
           <a:chExt cx="0" cy="0"/>
         </a:xfrm>
       </p:grpSpPr>
-      <p:sp>
-        <p:nvSpPr>
-          <p:cNvPr id="2" name="Titre 1">
-            <a:extLst>
-              <a:ext uri="{FF2B5EF4-FFF2-40B4-BE49-F238E27FC236}">
-                <a16:creationId xmlns:a16="http://schemas.microsoft.com/office/drawing/2014/main" id="{6EDF8B17-A2CD-2B4D-97DD-C66F96351D00}"/>
-              </a:ext>
-            </a:extLst>
-          </p:cNvPr>
-          <p:cNvSpPr>
-            <a:spLocks noGrp="1"/>
-          </p:cNvSpPr>
-          <p:nvPr>
-            <p:ph type="title"/>
-          </p:nvPr>
-        </p:nvSpPr>
-        <p:spPr>
-          <a:xfrm>
-            <a:off x="838200" y="365125"/>
-            <a:ext cx="10515600" cy="6296932"/>
-          </a:xfrm>
-        </p:spPr>
-        <p:txBody>
-          <a:bodyPr/>
-          <a:lstStyle/>
-          <a:p>
-            <a:pPr algn="ctr"/>
-            <a:r>
-              <a:rPr lang="fr-FR" dirty="0"/>
-              <a:t>Mes Raccourcis Internet</a:t>
-            </a:r>
-            <a:br>
-              <a:rPr lang="fr-FR" dirty="0"/>
-            </a:br>
-            <a:r>
-              <a:rPr lang="fr-FR" dirty="0"/>
-              <a:t>et</a:t>
-            </a:r>
-            <a:br>
-              <a:rPr lang="fr-FR" dirty="0"/>
-            </a:br>
-            <a:r>
-              <a:rPr lang="fr-FR" dirty="0"/>
-              <a:t> Cours en plus pour compléments</a:t>
-            </a:r>
-          </a:p>
-        </p:txBody>
-      </p:sp>
-    </p:spTree>
-    <p:extLst>
-      <p:ext uri="{BB962C8B-B14F-4D97-AF65-F5344CB8AC3E}">
-        <p14:creationId xmlns:p14="http://schemas.microsoft.com/office/powerpoint/2010/main" val="3301132971"/>
-      </p:ext>
-    </p:extLst>
-  </p:cSld>
-  <p:clrMapOvr>
-    <a:masterClrMapping/>
-  </p:clrMapOvr>
-</p:sld>
-</file>
-
-<file path=ppt/slides/slide11.xml><?xml version="1.0" encoding="utf-8"?>
-<p:sld xmlns:a="http://schemas.openxmlformats.org/drawingml/2006/main" xmlns:r="http://schemas.openxmlformats.org/officeDocument/2006/relationships" xmlns:p="http://schemas.openxmlformats.org/presentationml/2006/main">
-  <p:cSld>
-    <p:spTree>
-      <p:nvGrpSpPr>
-        <p:cNvPr id="1" name=""/>
-        <p:cNvGrpSpPr/>
-        <p:nvPr/>
-      </p:nvGrpSpPr>
-      <p:grpSpPr>
-        <a:xfrm>
-          <a:off x="0" y="0"/>
-          <a:ext cx="0" cy="0"/>
-          <a:chOff x="0" y="0"/>
-          <a:chExt cx="0" cy="0"/>
-        </a:xfrm>
-      </p:grpSpPr>
       <p:pic>
         <p:nvPicPr>
-          <p:cNvPr id="7" name="Image 6">
-            <a:extLst>
-              <a:ext uri="{FF2B5EF4-FFF2-40B4-BE49-F238E27FC236}">
-                <a16:creationId xmlns:a16="http://schemas.microsoft.com/office/drawing/2014/main" id="{8D588AB5-3652-4E4A-9677-A913554A1B15}"/>
+          <p:cNvPr id="6" name="Espace réservé du contenu 5">
+            <a:extLst>
+              <a:ext uri="{FF2B5EF4-FFF2-40B4-BE49-F238E27FC236}">
+                <a16:creationId xmlns:a16="http://schemas.microsoft.com/office/drawing/2014/main" id="{03BCE518-A89C-B041-A978-BB2DE58D028A}"/>
               </a:ext>
             </a:extLst>
           </p:cNvPr>
           <p:cNvPicPr>
-            <a:picLocks noChangeAspect="1"/>
+            <a:picLocks noGrp="1" noChangeAspect="1"/>
           </p:cNvPicPr>
-          <p:nvPr/>
+          <p:nvPr>
+            <p:ph idx="1"/>
+          </p:nvPr>
         </p:nvPicPr>
         <p:blipFill>
           <a:blip r:embed="rId2"/>
@@ -3546,20 +3497,17 @@
         </p:blipFill>
         <p:spPr>
           <a:xfrm>
-            <a:off x="84908" y="1756742"/>
-            <a:ext cx="7354389" cy="3224079"/>
+            <a:off x="4191000" y="246868"/>
+            <a:ext cx="3810000" cy="3810000"/>
           </a:xfrm>
-          <a:prstGeom prst="rect">
-            <a:avLst/>
-          </a:prstGeom>
         </p:spPr>
       </p:pic>
       <p:pic>
         <p:nvPicPr>
-          <p:cNvPr id="11" name="Image 10">
-            <a:extLst>
-              <a:ext uri="{FF2B5EF4-FFF2-40B4-BE49-F238E27FC236}">
-                <a16:creationId xmlns:a16="http://schemas.microsoft.com/office/drawing/2014/main" id="{953CF87A-5E82-A941-8272-E3BC2C7F8AAC}"/>
+          <p:cNvPr id="8" name="Image 7">
+            <a:extLst>
+              <a:ext uri="{FF2B5EF4-FFF2-40B4-BE49-F238E27FC236}">
+                <a16:creationId xmlns:a16="http://schemas.microsoft.com/office/drawing/2014/main" id="{45FB3186-A23B-4D47-9D1C-8E4679E82BFA}"/>
               </a:ext>
             </a:extLst>
           </p:cNvPr>
@@ -3576,8 +3524,8 @@
         </p:blipFill>
         <p:spPr>
           <a:xfrm>
-            <a:off x="6842759" y="223382"/>
-            <a:ext cx="5027551" cy="5537337"/>
+            <a:off x="1778000" y="4952141"/>
+            <a:ext cx="8636000" cy="1752600"/>
           </a:xfrm>
           <a:prstGeom prst="rect">
             <a:avLst/>
@@ -3586,10 +3534,10 @@
       </p:pic>
       <p:sp>
         <p:nvSpPr>
-          <p:cNvPr id="12" name="ZoneTexte 11">
-            <a:extLst>
-              <a:ext uri="{FF2B5EF4-FFF2-40B4-BE49-F238E27FC236}">
-                <a16:creationId xmlns:a16="http://schemas.microsoft.com/office/drawing/2014/main" id="{C12A6D48-ACBB-1042-9EE3-B054802C9560}"/>
+          <p:cNvPr id="9" name="ZoneTexte 8">
+            <a:extLst>
+              <a:ext uri="{FF2B5EF4-FFF2-40B4-BE49-F238E27FC236}">
+                <a16:creationId xmlns:a16="http://schemas.microsoft.com/office/drawing/2014/main" id="{A5239CEB-D923-7943-A912-E4584A0F0560}"/>
               </a:ext>
             </a:extLst>
           </p:cNvPr>
@@ -3598,8 +3546,8 @@
         </p:nvSpPr>
         <p:spPr>
           <a:xfrm>
-            <a:off x="625699" y="509451"/>
-            <a:ext cx="4834144" cy="646331"/>
+            <a:off x="5200979" y="4400120"/>
+            <a:ext cx="1890839" cy="369332"/>
           </a:xfrm>
           <a:prstGeom prst="rect">
             <a:avLst/>
@@ -3614,1194 +3562,24 @@
           <a:p>
             <a:r>
               <a:rPr lang="fr-FR" dirty="0"/>
-              <a:t>BootStrap a l’air très intéressant et a la mode</a:t>
-            </a:r>
-          </a:p>
-          <a:p>
-            <a:r>
-              <a:rPr lang="fr-FR" dirty="0"/>
-              <a:t>PHP pour découvrir deux/trois principes de base..</a:t>
-            </a:r>
-          </a:p>
-        </p:txBody>
-      </p:sp>
-      <p:cxnSp>
-        <p:nvCxnSpPr>
-          <p:cNvPr id="14" name="Connecteur droit avec flèche 13">
-            <a:extLst>
-              <a:ext uri="{FF2B5EF4-FFF2-40B4-BE49-F238E27FC236}">
-                <a16:creationId xmlns:a16="http://schemas.microsoft.com/office/drawing/2014/main" id="{91FA97F3-5FF6-3540-87B8-807519938FE5}"/>
-              </a:ext>
-            </a:extLst>
-          </p:cNvPr>
-          <p:cNvCxnSpPr>
-            <a:cxnSpLocks/>
-          </p:cNvCxnSpPr>
-          <p:nvPr/>
-        </p:nvCxnSpPr>
-        <p:spPr>
-          <a:xfrm>
-            <a:off x="966651" y="1155782"/>
-            <a:ext cx="293915" cy="1117155"/>
-          </a:xfrm>
-          <a:prstGeom prst="straightConnector1">
-            <a:avLst/>
-          </a:prstGeom>
-          <a:ln>
-            <a:tailEnd type="triangle"/>
-          </a:ln>
-        </p:spPr>
-        <p:style>
-          <a:lnRef idx="1">
-            <a:schemeClr val="accent1"/>
-          </a:lnRef>
-          <a:fillRef idx="0">
-            <a:schemeClr val="accent1"/>
-          </a:fillRef>
-          <a:effectRef idx="0">
-            <a:schemeClr val="accent1"/>
-          </a:effectRef>
-          <a:fontRef idx="minor">
-            <a:schemeClr val="tx1"/>
-          </a:fontRef>
-        </p:style>
-      </p:cxnSp>
-      <p:cxnSp>
-        <p:nvCxnSpPr>
-          <p:cNvPr id="15" name="Connecteur droit avec flèche 14">
-            <a:extLst>
-              <a:ext uri="{FF2B5EF4-FFF2-40B4-BE49-F238E27FC236}">
-                <a16:creationId xmlns:a16="http://schemas.microsoft.com/office/drawing/2014/main" id="{CCB90019-5933-624F-A108-DAB5DAAF29A7}"/>
-              </a:ext>
-            </a:extLst>
-          </p:cNvPr>
-          <p:cNvCxnSpPr>
-            <a:cxnSpLocks/>
-          </p:cNvCxnSpPr>
-          <p:nvPr/>
-        </p:nvCxnSpPr>
-        <p:spPr>
-          <a:xfrm>
-            <a:off x="1384663" y="832616"/>
-            <a:ext cx="757646" cy="2955613"/>
-          </a:xfrm>
-          <a:prstGeom prst="straightConnector1">
-            <a:avLst/>
-          </a:prstGeom>
-          <a:ln>
-            <a:tailEnd type="triangle"/>
-          </a:ln>
-        </p:spPr>
-        <p:style>
-          <a:lnRef idx="1">
-            <a:schemeClr val="accent1"/>
-          </a:lnRef>
-          <a:fillRef idx="0">
-            <a:schemeClr val="accent1"/>
-          </a:fillRef>
-          <a:effectRef idx="0">
-            <a:schemeClr val="accent1"/>
-          </a:effectRef>
-          <a:fontRef idx="minor">
-            <a:schemeClr val="tx1"/>
-          </a:fontRef>
-        </p:style>
-      </p:cxnSp>
+              <a:t>Version PREMIUM</a:t>
+            </a:r>
+          </a:p>
+        </p:txBody>
+      </p:sp>
     </p:spTree>
     <p:extLst>
       <p:ext uri="{BB962C8B-B14F-4D97-AF65-F5344CB8AC3E}">
-        <p14:creationId xmlns:p14="http://schemas.microsoft.com/office/powerpoint/2010/main" val="1329069753"/>
+        <p14:creationId xmlns:p14="http://schemas.microsoft.com/office/powerpoint/2010/main" val="3570772756"/>
       </p:ext>
     </p:extLst>
   </p:cSld>
   <p:clrMapOvr>
     <a:masterClrMapping/>
   </p:clrMapOvr>
-</p:sld>
-</file>
-
-<file path=ppt/slides/slide12.xml><?xml version="1.0" encoding="utf-8"?>
-<p:sld xmlns:a="http://schemas.openxmlformats.org/drawingml/2006/main" xmlns:r="http://schemas.openxmlformats.org/officeDocument/2006/relationships" xmlns:p="http://schemas.openxmlformats.org/presentationml/2006/main">
-  <p:cSld>
-    <p:spTree>
-      <p:nvGrpSpPr>
-        <p:cNvPr id="1" name=""/>
-        <p:cNvGrpSpPr/>
-        <p:nvPr/>
-      </p:nvGrpSpPr>
-      <p:grpSpPr>
-        <a:xfrm>
-          <a:off x="0" y="0"/>
-          <a:ext cx="0" cy="0"/>
-          <a:chOff x="0" y="0"/>
-          <a:chExt cx="0" cy="0"/>
-        </a:xfrm>
-      </p:grpSpPr>
-      <p:sp>
-        <p:nvSpPr>
-          <p:cNvPr id="2" name="Titre 1">
-            <a:extLst>
-              <a:ext uri="{FF2B5EF4-FFF2-40B4-BE49-F238E27FC236}">
-                <a16:creationId xmlns:a16="http://schemas.microsoft.com/office/drawing/2014/main" id="{7EC1BF26-D2CF-5A44-8597-EDA7F53FCB96}"/>
-              </a:ext>
-            </a:extLst>
-          </p:cNvPr>
-          <p:cNvSpPr>
-            <a:spLocks noGrp="1"/>
-          </p:cNvSpPr>
-          <p:nvPr>
-            <p:ph type="title"/>
-          </p:nvPr>
-        </p:nvSpPr>
-        <p:spPr/>
-        <p:txBody>
-          <a:bodyPr/>
-          <a:lstStyle/>
-          <a:p>
-            <a:pPr algn="ctr"/>
-            <a:r>
-              <a:rPr lang="fr-FR" dirty="0"/>
-              <a:t>Et </a:t>
-            </a:r>
-            <a:r>
-              <a:rPr lang="fr-FR" dirty="0" err="1"/>
-              <a:t>Evernote</a:t>
-            </a:r>
-            <a:r>
-              <a:rPr lang="fr-FR" dirty="0"/>
-              <a:t> mon outil de tous les jours</a:t>
-            </a:r>
-          </a:p>
-        </p:txBody>
-      </p:sp>
-      <p:pic>
-        <p:nvPicPr>
-          <p:cNvPr id="5" name="Espace réservé du contenu 4">
-            <a:extLst>
-              <a:ext uri="{FF2B5EF4-FFF2-40B4-BE49-F238E27FC236}">
-                <a16:creationId xmlns:a16="http://schemas.microsoft.com/office/drawing/2014/main" id="{61C7AC9C-657B-604B-9495-D6D7FCF323CE}"/>
-              </a:ext>
-            </a:extLst>
-          </p:cNvPr>
-          <p:cNvPicPr>
-            <a:picLocks noGrp="1" noChangeAspect="1"/>
-          </p:cNvPicPr>
-          <p:nvPr>
-            <p:ph idx="1"/>
-          </p:nvPr>
-        </p:nvPicPr>
-        <p:blipFill>
-          <a:blip r:embed="rId2"/>
-          <a:stretch>
-            <a:fillRect/>
-          </a:stretch>
-        </p:blipFill>
-        <p:spPr>
-          <a:xfrm>
-            <a:off x="3010793" y="1825625"/>
-            <a:ext cx="6170413" cy="4351338"/>
-          </a:xfrm>
-        </p:spPr>
-      </p:pic>
-    </p:spTree>
-    <p:extLst>
-      <p:ext uri="{BB962C8B-B14F-4D97-AF65-F5344CB8AC3E}">
-        <p14:creationId xmlns:p14="http://schemas.microsoft.com/office/powerpoint/2010/main" val="4282360475"/>
-      </p:ext>
-    </p:extLst>
-  </p:cSld>
-  <p:clrMapOvr>
-    <a:masterClrMapping/>
-  </p:clrMapOvr>
-</p:sld>
-</file>
-
-<file path=ppt/slides/slide13.xml><?xml version="1.0" encoding="utf-8"?>
-<p:sld xmlns:a="http://schemas.openxmlformats.org/drawingml/2006/main" xmlns:r="http://schemas.openxmlformats.org/officeDocument/2006/relationships" xmlns:p="http://schemas.openxmlformats.org/presentationml/2006/main">
-  <p:cSld>
-    <p:spTree>
-      <p:nvGrpSpPr>
-        <p:cNvPr id="1" name=""/>
-        <p:cNvGrpSpPr/>
-        <p:nvPr/>
-      </p:nvGrpSpPr>
-      <p:grpSpPr>
-        <a:xfrm>
-          <a:off x="0" y="0"/>
-          <a:ext cx="0" cy="0"/>
-          <a:chOff x="0" y="0"/>
-          <a:chExt cx="0" cy="0"/>
-        </a:xfrm>
-      </p:grpSpPr>
-      <p:sp>
-        <p:nvSpPr>
-          <p:cNvPr id="2" name="Titre 1">
-            <a:extLst>
-              <a:ext uri="{FF2B5EF4-FFF2-40B4-BE49-F238E27FC236}">
-                <a16:creationId xmlns:a16="http://schemas.microsoft.com/office/drawing/2014/main" id="{AC5B2C74-B5B8-3047-9DFB-CA5221AFE0ED}"/>
-              </a:ext>
-            </a:extLst>
-          </p:cNvPr>
-          <p:cNvSpPr>
-            <a:spLocks noGrp="1"/>
-          </p:cNvSpPr>
-          <p:nvPr>
-            <p:ph type="title"/>
-          </p:nvPr>
-        </p:nvSpPr>
-        <p:spPr/>
-        <p:txBody>
-          <a:bodyPr/>
-          <a:lstStyle/>
-          <a:p>
-            <a:pPr algn="ctr"/>
-            <a:r>
-              <a:rPr lang="fr-FR" dirty="0"/>
-              <a:t>Mes habitudes pour être à jour</a:t>
-            </a:r>
-            <a:br>
-              <a:rPr lang="fr-FR" dirty="0"/>
-            </a:br>
-            <a:endParaRPr lang="fr-FR" dirty="0"/>
-          </a:p>
-        </p:txBody>
-      </p:sp>
-      <p:sp>
-        <p:nvSpPr>
-          <p:cNvPr id="4" name="Rectangle 3">
-            <a:extLst>
-              <a:ext uri="{FF2B5EF4-FFF2-40B4-BE49-F238E27FC236}">
-                <a16:creationId xmlns:a16="http://schemas.microsoft.com/office/drawing/2014/main" id="{C6509AA1-AF56-C94F-A987-CC5D233F97AA}"/>
-              </a:ext>
-            </a:extLst>
-          </p:cNvPr>
-          <p:cNvSpPr/>
-          <p:nvPr/>
-        </p:nvSpPr>
-        <p:spPr>
-          <a:xfrm>
-            <a:off x="3707012" y="1043387"/>
-            <a:ext cx="4777975" cy="2308324"/>
-          </a:xfrm>
-          <a:prstGeom prst="rect">
-            <a:avLst/>
-          </a:prstGeom>
-        </p:spPr>
-        <p:txBody>
-          <a:bodyPr wrap="none">
-            <a:spAutoFit/>
-          </a:bodyPr>
-          <a:lstStyle/>
-          <a:p>
-            <a:r>
-              <a:rPr lang="fr-FR" dirty="0">
-                <a:hlinkClick r:id="rId2"/>
-              </a:rPr>
-              <a:t>https://www.developpez.com/</a:t>
-            </a:r>
-            <a:endParaRPr lang="fr-FR" dirty="0"/>
-          </a:p>
-          <a:p>
-            <a:r>
-              <a:rPr lang="fr-FR" dirty="0"/>
-              <a:t>Google News et </a:t>
-            </a:r>
-            <a:r>
-              <a:rPr lang="fr-FR" dirty="0">
-                <a:hlinkClick r:id="rId3"/>
-              </a:rPr>
-              <a:t>https://www.google.fr/alerts</a:t>
-            </a:r>
-            <a:endParaRPr lang="fr-FR" dirty="0"/>
-          </a:p>
-          <a:p>
-            <a:r>
-              <a:rPr lang="fr-FR" dirty="0">
-                <a:hlinkClick r:id="rId4"/>
-              </a:rPr>
-              <a:t>https://openclassrooms.workplace.com/</a:t>
-            </a:r>
-            <a:endParaRPr lang="fr-FR" dirty="0"/>
-          </a:p>
-          <a:p>
-            <a:r>
-              <a:rPr lang="fr-FR" dirty="0">
-                <a:hlinkClick r:id="rId5"/>
-              </a:rPr>
-              <a:t>https://www.netvibes.com/fr</a:t>
-            </a:r>
-            <a:r>
-              <a:rPr lang="fr-FR" dirty="0"/>
-              <a:t> ( en test )</a:t>
-            </a:r>
-          </a:p>
-          <a:p>
-            <a:r>
-              <a:rPr lang="fr-FR" dirty="0">
-                <a:hlinkClick r:id="rId6"/>
-              </a:rPr>
-              <a:t>https://www.pinterest.fr</a:t>
-            </a:r>
-            <a:r>
-              <a:rPr lang="fr-FR" dirty="0"/>
-              <a:t> </a:t>
-            </a:r>
-          </a:p>
-          <a:p>
-            <a:r>
-              <a:rPr lang="fr-FR" dirty="0">
-                <a:hlinkClick r:id="rId7"/>
-              </a:rPr>
-              <a:t>https://twitter.com/?lang=fr</a:t>
-            </a:r>
-            <a:r>
-              <a:rPr lang="fr-FR" dirty="0"/>
-              <a:t> ( mais bof )</a:t>
-            </a:r>
-          </a:p>
-          <a:p>
-            <a:endParaRPr lang="fr-FR" dirty="0"/>
-          </a:p>
-          <a:p>
-            <a:r>
-              <a:rPr lang="fr-FR" dirty="0"/>
-              <a:t>Tous les mois…. 		De temps en temps</a:t>
-            </a:r>
-          </a:p>
-        </p:txBody>
-      </p:sp>
-      <p:pic>
-        <p:nvPicPr>
-          <p:cNvPr id="6" name="Image 5">
-            <a:extLst>
-              <a:ext uri="{FF2B5EF4-FFF2-40B4-BE49-F238E27FC236}">
-                <a16:creationId xmlns:a16="http://schemas.microsoft.com/office/drawing/2014/main" id="{9B847B40-B8DF-4B4D-AB40-1B2F27F080F4}"/>
-              </a:ext>
-            </a:extLst>
-          </p:cNvPr>
-          <p:cNvPicPr>
-            <a:picLocks noChangeAspect="1"/>
-          </p:cNvPicPr>
-          <p:nvPr/>
-        </p:nvPicPr>
-        <p:blipFill>
-          <a:blip r:embed="rId8"/>
-          <a:stretch>
-            <a:fillRect/>
-          </a:stretch>
-        </p:blipFill>
-        <p:spPr>
-          <a:xfrm>
-            <a:off x="3815330" y="3351711"/>
-            <a:ext cx="1432525" cy="1946366"/>
-          </a:xfrm>
-          <a:prstGeom prst="rect">
-            <a:avLst/>
-          </a:prstGeom>
-        </p:spPr>
-      </p:pic>
-      <p:pic>
-        <p:nvPicPr>
-          <p:cNvPr id="8" name="Image 7">
-            <a:extLst>
-              <a:ext uri="{FF2B5EF4-FFF2-40B4-BE49-F238E27FC236}">
-                <a16:creationId xmlns:a16="http://schemas.microsoft.com/office/drawing/2014/main" id="{55D59288-29A1-6549-A559-5F44455C0B3B}"/>
-              </a:ext>
-            </a:extLst>
-          </p:cNvPr>
-          <p:cNvPicPr>
-            <a:picLocks noChangeAspect="1"/>
-          </p:cNvPicPr>
-          <p:nvPr/>
-        </p:nvPicPr>
-        <p:blipFill>
-          <a:blip r:embed="rId9"/>
-          <a:stretch>
-            <a:fillRect/>
-          </a:stretch>
-        </p:blipFill>
-        <p:spPr>
-          <a:xfrm>
-            <a:off x="6602599" y="3351711"/>
-            <a:ext cx="1600875" cy="1939060"/>
-          </a:xfrm>
-          <a:prstGeom prst="rect">
-            <a:avLst/>
-          </a:prstGeom>
-        </p:spPr>
-      </p:pic>
-      <p:pic>
-        <p:nvPicPr>
-          <p:cNvPr id="5" name="Image 4">
-            <a:extLst>
-              <a:ext uri="{FF2B5EF4-FFF2-40B4-BE49-F238E27FC236}">
-                <a16:creationId xmlns:a16="http://schemas.microsoft.com/office/drawing/2014/main" id="{86B1D274-FB9F-DD46-BBBE-7083D1FC1241}"/>
-              </a:ext>
-            </a:extLst>
-          </p:cNvPr>
-          <p:cNvPicPr>
-            <a:picLocks noChangeAspect="1"/>
-          </p:cNvPicPr>
-          <p:nvPr/>
-        </p:nvPicPr>
-        <p:blipFill>
-          <a:blip r:embed="rId10"/>
-          <a:stretch>
-            <a:fillRect/>
-          </a:stretch>
-        </p:blipFill>
-        <p:spPr>
-          <a:xfrm>
-            <a:off x="1523999" y="6112246"/>
-            <a:ext cx="9144000" cy="688125"/>
-          </a:xfrm>
-          <a:prstGeom prst="rect">
-            <a:avLst/>
-          </a:prstGeom>
-        </p:spPr>
-      </p:pic>
-      <p:sp>
-        <p:nvSpPr>
-          <p:cNvPr id="7" name="ZoneTexte 6">
-            <a:extLst>
-              <a:ext uri="{FF2B5EF4-FFF2-40B4-BE49-F238E27FC236}">
-                <a16:creationId xmlns:a16="http://schemas.microsoft.com/office/drawing/2014/main" id="{EFD51C57-16FB-8544-B143-807243700455}"/>
-              </a:ext>
-            </a:extLst>
-          </p:cNvPr>
-          <p:cNvSpPr txBox="1"/>
-          <p:nvPr/>
-        </p:nvSpPr>
-        <p:spPr>
-          <a:xfrm>
-            <a:off x="4669971" y="5675811"/>
-            <a:ext cx="2648546" cy="369332"/>
-          </a:xfrm>
-          <a:prstGeom prst="rect">
-            <a:avLst/>
-          </a:prstGeom>
-          <a:noFill/>
-        </p:spPr>
-        <p:txBody>
-          <a:bodyPr wrap="none" rtlCol="0">
-            <a:spAutoFit/>
-          </a:bodyPr>
-          <a:lstStyle/>
-          <a:p>
-            <a:r>
-              <a:rPr lang="fr-FR" dirty="0"/>
-              <a:t>Mon organisation de Dock</a:t>
-            </a:r>
-          </a:p>
-        </p:txBody>
-      </p:sp>
-    </p:spTree>
-    <p:extLst>
-      <p:ext uri="{BB962C8B-B14F-4D97-AF65-F5344CB8AC3E}">
-        <p14:creationId xmlns:p14="http://schemas.microsoft.com/office/powerpoint/2010/main" val="3858302102"/>
-      </p:ext>
-    </p:extLst>
-  </p:cSld>
-  <p:clrMapOvr>
-    <a:masterClrMapping/>
-  </p:clrMapOvr>
-</p:sld>
-</file>
-
-<file path=ppt/slides/slide14.xml><?xml version="1.0" encoding="utf-8"?>
-<p:sld xmlns:a="http://schemas.openxmlformats.org/drawingml/2006/main" xmlns:r="http://schemas.openxmlformats.org/officeDocument/2006/relationships" xmlns:p="http://schemas.openxmlformats.org/presentationml/2006/main">
-  <p:cSld>
-    <p:spTree>
-      <p:nvGrpSpPr>
-        <p:cNvPr id="1" name=""/>
-        <p:cNvGrpSpPr/>
-        <p:nvPr/>
-      </p:nvGrpSpPr>
-      <p:grpSpPr>
-        <a:xfrm>
-          <a:off x="0" y="0"/>
-          <a:ext cx="0" cy="0"/>
-          <a:chOff x="0" y="0"/>
-          <a:chExt cx="0" cy="0"/>
-        </a:xfrm>
-      </p:grpSpPr>
-      <p:sp>
-        <p:nvSpPr>
-          <p:cNvPr id="2" name="Titre 1">
-            <a:extLst>
-              <a:ext uri="{FF2B5EF4-FFF2-40B4-BE49-F238E27FC236}">
-                <a16:creationId xmlns:a16="http://schemas.microsoft.com/office/drawing/2014/main" id="{44F5B2B4-D6E3-5246-B514-91818CE56212}"/>
-              </a:ext>
-            </a:extLst>
-          </p:cNvPr>
-          <p:cNvSpPr>
-            <a:spLocks noGrp="1"/>
-          </p:cNvSpPr>
-          <p:nvPr>
-            <p:ph type="title"/>
-          </p:nvPr>
-        </p:nvSpPr>
-        <p:spPr>
-          <a:xfrm>
-            <a:off x="838200" y="721895"/>
-            <a:ext cx="10515600" cy="1347537"/>
-          </a:xfrm>
-        </p:spPr>
-        <p:txBody>
-          <a:bodyPr/>
-          <a:lstStyle/>
-          <a:p>
-            <a:pPr algn="ctr"/>
-            <a:r>
-              <a:rPr lang="fr-FR" b="1" dirty="0"/>
-              <a:t> Quels sont vos objectifs pros ?</a:t>
-            </a:r>
-            <a:br>
-              <a:rPr lang="fr-FR" dirty="0"/>
-            </a:br>
-            <a:endParaRPr lang="fr-FR" dirty="0"/>
-          </a:p>
-        </p:txBody>
-      </p:sp>
-      <p:sp>
-        <p:nvSpPr>
-          <p:cNvPr id="3" name="Espace réservé du contenu 2">
-            <a:extLst>
-              <a:ext uri="{FF2B5EF4-FFF2-40B4-BE49-F238E27FC236}">
-                <a16:creationId xmlns:a16="http://schemas.microsoft.com/office/drawing/2014/main" id="{CC98D5BE-A556-7D4B-8EFB-AB96BD360983}"/>
-              </a:ext>
-            </a:extLst>
-          </p:cNvPr>
-          <p:cNvSpPr>
-            <a:spLocks noGrp="1"/>
-          </p:cNvSpPr>
-          <p:nvPr>
-            <p:ph idx="1"/>
-          </p:nvPr>
-        </p:nvSpPr>
-        <p:spPr>
-          <a:xfrm>
-            <a:off x="838200" y="2348140"/>
-            <a:ext cx="10515600" cy="3502646"/>
-          </a:xfrm>
-        </p:spPr>
-        <p:txBody>
-          <a:bodyPr>
-            <a:normAutofit/>
-          </a:bodyPr>
-          <a:lstStyle/>
-          <a:p>
-            <a:r>
-              <a:rPr lang="fr-FR" dirty="0"/>
-              <a:t>Devenir indépendant et télé-travailler au maximum.</a:t>
-            </a:r>
-          </a:p>
-          <a:p>
-            <a:r>
-              <a:rPr lang="fr-FR" dirty="0"/>
-              <a:t>La crise de la Covid me fait penser que beaucoup de sociétés aimeraient avoir une présence sur le web. </a:t>
-            </a:r>
-          </a:p>
-          <a:p>
-            <a:r>
-              <a:rPr lang="fr-FR" dirty="0"/>
-              <a:t>Peut-être maximiser mon implication pour un être un « full </a:t>
-            </a:r>
-            <a:r>
-              <a:rPr lang="fr-FR" dirty="0" err="1"/>
-              <a:t>Stack</a:t>
-            </a:r>
-            <a:r>
-              <a:rPr lang="fr-FR" dirty="0"/>
-              <a:t> « en ayant deux trois notions de Back End.</a:t>
-            </a:r>
-          </a:p>
-          <a:p>
-            <a:r>
-              <a:rPr lang="fr-FR" dirty="0"/>
-              <a:t>Si manque de clients intégrer une startup ou petite entreprise pour retrouver l’ambiance familiale que j’ai connu pendant plus de 20 ans.</a:t>
-            </a:r>
-          </a:p>
-          <a:p>
-            <a:pPr marL="0" indent="0">
-              <a:buNone/>
-            </a:pPr>
-            <a:endParaRPr lang="fr-FR" dirty="0"/>
-          </a:p>
-        </p:txBody>
-      </p:sp>
-    </p:spTree>
-    <p:extLst>
-      <p:ext uri="{BB962C8B-B14F-4D97-AF65-F5344CB8AC3E}">
-        <p14:creationId xmlns:p14="http://schemas.microsoft.com/office/powerpoint/2010/main" val="2768619915"/>
-      </p:ext>
-    </p:extLst>
-  </p:cSld>
-  <p:clrMapOvr>
-    <a:masterClrMapping/>
-  </p:clrMapOvr>
-</p:sld>
-</file>
-
-<file path=ppt/slides/slide15.xml><?xml version="1.0" encoding="utf-8"?>
-<p:sld xmlns:a="http://schemas.openxmlformats.org/drawingml/2006/main" xmlns:r="http://schemas.openxmlformats.org/officeDocument/2006/relationships" xmlns:p="http://schemas.openxmlformats.org/presentationml/2006/main">
-  <p:cSld>
-    <p:spTree>
-      <p:nvGrpSpPr>
-        <p:cNvPr id="1" name=""/>
-        <p:cNvGrpSpPr/>
-        <p:nvPr/>
-      </p:nvGrpSpPr>
-      <p:grpSpPr>
-        <a:xfrm>
-          <a:off x="0" y="0"/>
-          <a:ext cx="0" cy="0"/>
-          <a:chOff x="0" y="0"/>
-          <a:chExt cx="0" cy="0"/>
-        </a:xfrm>
-      </p:grpSpPr>
-      <p:sp>
-        <p:nvSpPr>
-          <p:cNvPr id="2" name="Titre 1">
-            <a:extLst>
-              <a:ext uri="{FF2B5EF4-FFF2-40B4-BE49-F238E27FC236}">
-                <a16:creationId xmlns:a16="http://schemas.microsoft.com/office/drawing/2014/main" id="{A91166BB-4CA5-354C-AA3D-B61B2BF3ACCC}"/>
-              </a:ext>
-            </a:extLst>
-          </p:cNvPr>
-          <p:cNvSpPr>
-            <a:spLocks noGrp="1"/>
-          </p:cNvSpPr>
-          <p:nvPr>
-            <p:ph type="title"/>
-          </p:nvPr>
-        </p:nvSpPr>
-        <p:spPr>
-          <a:xfrm>
-            <a:off x="838200" y="365125"/>
-            <a:ext cx="10515600" cy="2082442"/>
-          </a:xfrm>
-        </p:spPr>
-        <p:txBody>
-          <a:bodyPr/>
-          <a:lstStyle/>
-          <a:p>
-            <a:pPr algn="ctr"/>
-            <a:r>
-              <a:rPr lang="fr-FR" b="1" dirty="0"/>
-              <a:t>Présenter le métier de Front-Dev </a:t>
-            </a:r>
-            <a:br>
-              <a:rPr lang="fr-FR" dirty="0"/>
-            </a:br>
-            <a:endParaRPr lang="fr-FR" dirty="0"/>
-          </a:p>
-        </p:txBody>
-      </p:sp>
-      <p:sp>
-        <p:nvSpPr>
-          <p:cNvPr id="3" name="Espace réservé du contenu 2">
-            <a:extLst>
-              <a:ext uri="{FF2B5EF4-FFF2-40B4-BE49-F238E27FC236}">
-                <a16:creationId xmlns:a16="http://schemas.microsoft.com/office/drawing/2014/main" id="{4C64AF88-89C9-6D41-B65C-ED6B1BE4815F}"/>
-              </a:ext>
-            </a:extLst>
-          </p:cNvPr>
-          <p:cNvSpPr>
-            <a:spLocks noGrp="1"/>
-          </p:cNvSpPr>
-          <p:nvPr>
-            <p:ph idx="1"/>
-          </p:nvPr>
-        </p:nvSpPr>
-        <p:spPr>
-          <a:xfrm>
-            <a:off x="838200" y="3004457"/>
-            <a:ext cx="10515600" cy="3172506"/>
-          </a:xfrm>
-        </p:spPr>
-        <p:txBody>
-          <a:bodyPr/>
-          <a:lstStyle/>
-          <a:p>
-            <a:pPr marL="0" indent="0" algn="ctr">
-              <a:buNone/>
-            </a:pPr>
-            <a:r>
-              <a:rPr lang="fr-FR" dirty="0"/>
-              <a:t>Il consiste à développer un site statique avec du responsive design pour les nouvelles tailles écran et dans un esprit qui correspond aux clients et une interface agréable pour les visiteurs </a:t>
-            </a:r>
-          </a:p>
-          <a:p>
-            <a:pPr marL="0" indent="0" algn="ctr">
-              <a:buNone/>
-            </a:pPr>
-            <a:r>
-              <a:rPr lang="fr-FR" dirty="0"/>
-              <a:t>(grâce a Html5 CCS 3 et JavaScript)</a:t>
-            </a:r>
-          </a:p>
-          <a:p>
-            <a:pPr marL="0" indent="0" algn="ctr">
-              <a:buNone/>
-            </a:pPr>
-            <a:endParaRPr lang="fr-FR" dirty="0"/>
-          </a:p>
-          <a:p>
-            <a:pPr marL="0" indent="0" algn="ctr">
-              <a:buNone/>
-            </a:pPr>
-            <a:r>
-              <a:rPr lang="fr-FR" dirty="0"/>
-              <a:t>Surtout faire en sorte que le client soit heureux du résultat.</a:t>
-            </a:r>
-          </a:p>
-          <a:p>
-            <a:endParaRPr lang="fr-FR" dirty="0"/>
-          </a:p>
-        </p:txBody>
-      </p:sp>
-    </p:spTree>
-    <p:extLst>
-      <p:ext uri="{BB962C8B-B14F-4D97-AF65-F5344CB8AC3E}">
-        <p14:creationId xmlns:p14="http://schemas.microsoft.com/office/powerpoint/2010/main" val="3133799988"/>
-      </p:ext>
-    </p:extLst>
-  </p:cSld>
-  <p:clrMapOvr>
-    <a:masterClrMapping/>
-  </p:clrMapOvr>
-</p:sld>
-</file>
-
-<file path=ppt/slides/slide16.xml><?xml version="1.0" encoding="utf-8"?>
-<p:sld xmlns:a="http://schemas.openxmlformats.org/drawingml/2006/main" xmlns:r="http://schemas.openxmlformats.org/officeDocument/2006/relationships" xmlns:p="http://schemas.openxmlformats.org/presentationml/2006/main">
-  <p:cSld>
-    <p:spTree>
-      <p:nvGrpSpPr>
-        <p:cNvPr id="1" name=""/>
-        <p:cNvGrpSpPr/>
-        <p:nvPr/>
-      </p:nvGrpSpPr>
-      <p:grpSpPr>
-        <a:xfrm>
-          <a:off x="0" y="0"/>
-          <a:ext cx="0" cy="0"/>
-          <a:chOff x="0" y="0"/>
-          <a:chExt cx="0" cy="0"/>
-        </a:xfrm>
-      </p:grpSpPr>
-      <p:sp>
-        <p:nvSpPr>
-          <p:cNvPr id="2" name="Titre 1">
-            <a:extLst>
-              <a:ext uri="{FF2B5EF4-FFF2-40B4-BE49-F238E27FC236}">
-                <a16:creationId xmlns:a16="http://schemas.microsoft.com/office/drawing/2014/main" id="{F7B1C67A-9065-AD41-88FB-5B9C59A7BD15}"/>
-              </a:ext>
-            </a:extLst>
-          </p:cNvPr>
-          <p:cNvSpPr>
-            <a:spLocks noGrp="1"/>
-          </p:cNvSpPr>
-          <p:nvPr>
-            <p:ph type="title"/>
-          </p:nvPr>
-        </p:nvSpPr>
-        <p:spPr>
-          <a:xfrm>
-            <a:off x="838200" y="365125"/>
-            <a:ext cx="10515600" cy="1841810"/>
-          </a:xfrm>
-        </p:spPr>
-        <p:txBody>
-          <a:bodyPr>
-            <a:normAutofit fontScale="90000"/>
-          </a:bodyPr>
-          <a:lstStyle/>
-          <a:p>
-            <a:pPr algn="ctr"/>
-            <a:r>
-              <a:rPr lang="fr-FR" b="1" dirty="0"/>
-              <a:t>Quels sont les méthodes/pratiques qui vous aident à faire face à des difficultés ?</a:t>
-            </a:r>
-            <a:br>
-              <a:rPr lang="fr-FR" dirty="0"/>
-            </a:br>
-            <a:endParaRPr lang="fr-FR" dirty="0"/>
-          </a:p>
-        </p:txBody>
-      </p:sp>
-      <p:sp>
-        <p:nvSpPr>
-          <p:cNvPr id="3" name="Espace réservé du contenu 2">
-            <a:extLst>
-              <a:ext uri="{FF2B5EF4-FFF2-40B4-BE49-F238E27FC236}">
-                <a16:creationId xmlns:a16="http://schemas.microsoft.com/office/drawing/2014/main" id="{2729BED4-395F-6E4A-8AD3-FD92F4520BA5}"/>
-              </a:ext>
-            </a:extLst>
-          </p:cNvPr>
-          <p:cNvSpPr>
-            <a:spLocks noGrp="1"/>
-          </p:cNvSpPr>
-          <p:nvPr>
-            <p:ph idx="1"/>
-          </p:nvPr>
-        </p:nvSpPr>
-        <p:spPr>
-          <a:xfrm>
-            <a:off x="838200" y="2344439"/>
-            <a:ext cx="10515600" cy="3832524"/>
-          </a:xfrm>
-        </p:spPr>
-        <p:txBody>
-          <a:bodyPr/>
-          <a:lstStyle/>
-          <a:p>
-            <a:pPr marL="0" indent="0">
-              <a:buNone/>
-            </a:pPr>
-            <a:endParaRPr lang="fr-FR" dirty="0"/>
-          </a:p>
-          <a:p>
-            <a:r>
-              <a:rPr lang="fr-FR" dirty="0"/>
-              <a:t>Grace aux premières vidéos je sais que j’ai une bonne base </a:t>
-            </a:r>
-            <a:r>
-              <a:rPr lang="fr-FR" dirty="0" err="1"/>
-              <a:t>HardSkill</a:t>
-            </a:r>
-            <a:endParaRPr lang="fr-FR" dirty="0"/>
-          </a:p>
-          <a:p>
-            <a:pPr marL="0" indent="0">
-              <a:buNone/>
-            </a:pPr>
-            <a:endParaRPr lang="fr-FR" dirty="0"/>
-          </a:p>
-          <a:p>
-            <a:r>
-              <a:rPr lang="fr-FR" dirty="0"/>
-              <a:t>Et je vais aussi m’entrainer à m’améliorer sur les SoftsSkill pour tout ce qui est :</a:t>
-            </a:r>
-          </a:p>
-          <a:p>
-            <a:pPr marL="0" indent="0">
-              <a:buNone/>
-            </a:pPr>
-            <a:r>
-              <a:rPr lang="fr-FR" dirty="0"/>
-              <a:t>		Stress émotionnel (parler en public comme ici) </a:t>
-            </a:r>
-          </a:p>
-          <a:p>
-            <a:pPr marL="0" indent="0">
-              <a:buNone/>
-            </a:pPr>
-            <a:r>
-              <a:rPr lang="fr-FR" dirty="0"/>
-              <a:t>		Organisation planning et macro et micros objectifs</a:t>
-            </a:r>
-          </a:p>
-        </p:txBody>
-      </p:sp>
-    </p:spTree>
-    <p:extLst>
-      <p:ext uri="{BB962C8B-B14F-4D97-AF65-F5344CB8AC3E}">
-        <p14:creationId xmlns:p14="http://schemas.microsoft.com/office/powerpoint/2010/main" val="536867165"/>
-      </p:ext>
-    </p:extLst>
-  </p:cSld>
-  <p:clrMapOvr>
-    <a:masterClrMapping/>
-  </p:clrMapOvr>
-</p:sld>
-</file>
-
-<file path=ppt/slides/slide17.xml><?xml version="1.0" encoding="utf-8"?>
-<p:sld xmlns:a="http://schemas.openxmlformats.org/drawingml/2006/main" xmlns:r="http://schemas.openxmlformats.org/officeDocument/2006/relationships" xmlns:p="http://schemas.openxmlformats.org/presentationml/2006/main">
-  <p:cSld>
-    <p:spTree>
-      <p:nvGrpSpPr>
-        <p:cNvPr id="1" name=""/>
-        <p:cNvGrpSpPr/>
-        <p:nvPr/>
-      </p:nvGrpSpPr>
-      <p:grpSpPr>
-        <a:xfrm>
-          <a:off x="0" y="0"/>
-          <a:ext cx="0" cy="0"/>
-          <a:chOff x="0" y="0"/>
-          <a:chExt cx="0" cy="0"/>
-        </a:xfrm>
-      </p:grpSpPr>
-      <p:sp>
-        <p:nvSpPr>
-          <p:cNvPr id="2" name="Titre 1">
-            <a:extLst>
-              <a:ext uri="{FF2B5EF4-FFF2-40B4-BE49-F238E27FC236}">
-                <a16:creationId xmlns:a16="http://schemas.microsoft.com/office/drawing/2014/main" id="{26A50839-59D6-4745-A118-A9A48A8E8EEB}"/>
-              </a:ext>
-            </a:extLst>
-          </p:cNvPr>
-          <p:cNvSpPr>
-            <a:spLocks noGrp="1"/>
-          </p:cNvSpPr>
-          <p:nvPr>
-            <p:ph type="title"/>
-          </p:nvPr>
-        </p:nvSpPr>
-        <p:spPr/>
-        <p:txBody>
-          <a:bodyPr/>
-          <a:lstStyle/>
-          <a:p>
-            <a:pPr algn="ctr"/>
-            <a:r>
-              <a:rPr lang="fr-FR" b="1" dirty="0"/>
-              <a:t>Présentez les livrables</a:t>
-            </a:r>
-            <a:br>
-              <a:rPr lang="fr-FR" dirty="0"/>
-            </a:br>
-            <a:endParaRPr lang="fr-FR" dirty="0"/>
-          </a:p>
-        </p:txBody>
-      </p:sp>
-      <p:sp>
-        <p:nvSpPr>
-          <p:cNvPr id="3" name="Espace réservé du contenu 2">
-            <a:extLst>
-              <a:ext uri="{FF2B5EF4-FFF2-40B4-BE49-F238E27FC236}">
-                <a16:creationId xmlns:a16="http://schemas.microsoft.com/office/drawing/2014/main" id="{EA1924CF-3A20-4642-A43B-09142C04D073}"/>
-              </a:ext>
-            </a:extLst>
-          </p:cNvPr>
-          <p:cNvSpPr>
-            <a:spLocks noGrp="1"/>
-          </p:cNvSpPr>
-          <p:nvPr>
-            <p:ph idx="1"/>
-          </p:nvPr>
-        </p:nvSpPr>
-        <p:spPr/>
-        <p:txBody>
-          <a:bodyPr>
-            <a:normAutofit/>
-          </a:bodyPr>
-          <a:lstStyle/>
-          <a:p>
-            <a:pPr marL="0" indent="0">
-              <a:buNone/>
-            </a:pPr>
-            <a:endParaRPr lang="fr-FR" dirty="0"/>
-          </a:p>
-          <a:p>
-            <a:r>
-              <a:rPr lang="fr-FR" dirty="0"/>
-              <a:t>1 Tableau qui me sert de rétro planning ou je note tout pour voir ma progression.</a:t>
-            </a:r>
-          </a:p>
-          <a:p>
-            <a:r>
-              <a:rPr lang="fr-FR" dirty="0"/>
-              <a:t>2 Capture d’écran pour ma présence sur le </a:t>
-            </a:r>
-            <a:r>
-              <a:rPr lang="fr-FR" dirty="0" err="1"/>
-              <a:t>WorkPlace</a:t>
-            </a:r>
-            <a:r>
-              <a:rPr lang="fr-FR" dirty="0"/>
-              <a:t> et écouter les autres.</a:t>
-            </a:r>
-          </a:p>
-          <a:p>
-            <a:r>
-              <a:rPr lang="fr-FR" dirty="0"/>
-              <a:t>3 </a:t>
-            </a:r>
-            <a:r>
-              <a:rPr lang="fr-FR" dirty="0" err="1"/>
-              <a:t>Evernote</a:t>
-            </a:r>
-            <a:r>
-              <a:rPr lang="fr-FR" dirty="0"/>
-              <a:t> qui me sert depuis longtemps et permet enfin des captures d’écran  de pages </a:t>
-            </a:r>
-          </a:p>
-          <a:p>
-            <a:r>
-              <a:rPr lang="fr-FR" dirty="0"/>
-              <a:t>4 les différentes pistes pour la « curation » et les liens appris dans les vidéos</a:t>
-            </a:r>
-          </a:p>
-          <a:p>
-            <a:endParaRPr lang="fr-FR" dirty="0"/>
-          </a:p>
-        </p:txBody>
-      </p:sp>
-    </p:spTree>
-    <p:extLst>
-      <p:ext uri="{BB962C8B-B14F-4D97-AF65-F5344CB8AC3E}">
-        <p14:creationId xmlns:p14="http://schemas.microsoft.com/office/powerpoint/2010/main" val="2882343141"/>
-      </p:ext>
-    </p:extLst>
-  </p:cSld>
-  <p:clrMapOvr>
-    <a:masterClrMapping/>
-  </p:clrMapOvr>
-</p:sld>
-</file>
-
-<file path=ppt/slides/slide18.xml><?xml version="1.0" encoding="utf-8"?>
-<p:sld xmlns:a="http://schemas.openxmlformats.org/drawingml/2006/main" xmlns:r="http://schemas.openxmlformats.org/officeDocument/2006/relationships" xmlns:p="http://schemas.openxmlformats.org/presentationml/2006/main">
-  <p:cSld>
-    <p:spTree>
-      <p:nvGrpSpPr>
-        <p:cNvPr id="1" name=""/>
-        <p:cNvGrpSpPr/>
-        <p:nvPr/>
-      </p:nvGrpSpPr>
-      <p:grpSpPr>
-        <a:xfrm>
-          <a:off x="0" y="0"/>
-          <a:ext cx="0" cy="0"/>
-          <a:chOff x="0" y="0"/>
-          <a:chExt cx="0" cy="0"/>
-        </a:xfrm>
-      </p:grpSpPr>
-      <p:sp>
-        <p:nvSpPr>
-          <p:cNvPr id="2" name="Titre 1">
-            <a:extLst>
-              <a:ext uri="{FF2B5EF4-FFF2-40B4-BE49-F238E27FC236}">
-                <a16:creationId xmlns:a16="http://schemas.microsoft.com/office/drawing/2014/main" id="{C6651E80-E70A-3B46-8330-61776C958D42}"/>
-              </a:ext>
-            </a:extLst>
-          </p:cNvPr>
-          <p:cNvSpPr>
-            <a:spLocks noGrp="1"/>
-          </p:cNvSpPr>
-          <p:nvPr>
-            <p:ph type="title"/>
-          </p:nvPr>
-        </p:nvSpPr>
-        <p:spPr>
-          <a:xfrm>
-            <a:off x="838200" y="365125"/>
-            <a:ext cx="10515600" cy="3279412"/>
-          </a:xfrm>
-        </p:spPr>
-        <p:txBody>
-          <a:bodyPr>
-            <a:normAutofit/>
-          </a:bodyPr>
-          <a:lstStyle/>
-          <a:p>
-            <a:pPr algn="ctr"/>
-            <a:br>
-              <a:rPr lang="fr-FR" dirty="0"/>
-            </a:br>
-            <a:r>
-              <a:rPr lang="fr-FR" dirty="0"/>
-              <a:t>Voila j’espère que vous en savez plus</a:t>
-            </a:r>
-            <a:br>
-              <a:rPr lang="fr-FR" dirty="0"/>
-            </a:br>
-            <a:r>
-              <a:rPr lang="fr-FR" dirty="0"/>
-              <a:t>sur moi et mon organisation </a:t>
-            </a:r>
-            <a:br>
-              <a:rPr lang="fr-FR" dirty="0"/>
-            </a:br>
-            <a:r>
-              <a:rPr lang="fr-FR" dirty="0"/>
-              <a:t>A Bientôt </a:t>
-            </a:r>
-          </a:p>
-        </p:txBody>
-      </p:sp>
-      <p:sp>
-        <p:nvSpPr>
-          <p:cNvPr id="3" name="Espace réservé du contenu 2">
-            <a:extLst>
-              <a:ext uri="{FF2B5EF4-FFF2-40B4-BE49-F238E27FC236}">
-                <a16:creationId xmlns:a16="http://schemas.microsoft.com/office/drawing/2014/main" id="{6C6099E4-923A-5A40-ADB9-E644EE895A7E}"/>
-              </a:ext>
-            </a:extLst>
-          </p:cNvPr>
-          <p:cNvSpPr>
-            <a:spLocks noGrp="1"/>
-          </p:cNvSpPr>
-          <p:nvPr>
-            <p:ph idx="1"/>
-          </p:nvPr>
-        </p:nvSpPr>
-        <p:spPr>
-          <a:xfrm>
-            <a:off x="838200" y="5714999"/>
-            <a:ext cx="10515600" cy="461963"/>
-          </a:xfrm>
-        </p:spPr>
-        <p:txBody>
-          <a:bodyPr>
-            <a:normAutofit lnSpcReduction="10000"/>
-          </a:bodyPr>
-          <a:lstStyle/>
-          <a:p>
-            <a:pPr marL="0" indent="0" algn="ctr">
-              <a:buNone/>
-            </a:pPr>
-            <a:r>
-              <a:rPr lang="fr-FR" dirty="0"/>
-              <a:t>Frédéric Guillet</a:t>
-            </a:r>
-          </a:p>
-        </p:txBody>
-      </p:sp>
-      <p:pic>
-        <p:nvPicPr>
-          <p:cNvPr id="5" name="Image 4">
-            <a:extLst>
-              <a:ext uri="{FF2B5EF4-FFF2-40B4-BE49-F238E27FC236}">
-                <a16:creationId xmlns:a16="http://schemas.microsoft.com/office/drawing/2014/main" id="{746351B1-49CD-F544-96A4-1225E310D610}"/>
-              </a:ext>
-            </a:extLst>
-          </p:cNvPr>
-          <p:cNvPicPr>
-            <a:picLocks noChangeAspect="1"/>
-          </p:cNvPicPr>
-          <p:nvPr/>
-        </p:nvPicPr>
-        <p:blipFill>
-          <a:blip r:embed="rId2"/>
-          <a:stretch>
-            <a:fillRect/>
-          </a:stretch>
-        </p:blipFill>
-        <p:spPr>
-          <a:xfrm>
-            <a:off x="5143500" y="3644537"/>
-            <a:ext cx="1905000" cy="1905000"/>
-          </a:xfrm>
-          <a:prstGeom prst="rect">
-            <a:avLst/>
-          </a:prstGeom>
-        </p:spPr>
-      </p:pic>
-    </p:spTree>
-    <p:extLst>
-      <p:ext uri="{BB962C8B-B14F-4D97-AF65-F5344CB8AC3E}">
-        <p14:creationId xmlns:p14="http://schemas.microsoft.com/office/powerpoint/2010/main" val="1274313219"/>
-      </p:ext>
-    </p:extLst>
-  </p:cSld>
-  <p:clrMapOvr>
-    <a:masterClrMapping/>
-  </p:clrMapOvr>
+  <p:transition spd="slow">
+    <p:randomBar dir="vert"/>
+  </p:transition>
 </p:sld>
 </file>
 
@@ -5522,10 +4300,10 @@
       </p:grpSpPr>
       <p:pic>
         <p:nvPicPr>
-          <p:cNvPr id="12" name="Image 11">
-            <a:extLst>
-              <a:ext uri="{FF2B5EF4-FFF2-40B4-BE49-F238E27FC236}">
-                <a16:creationId xmlns:a16="http://schemas.microsoft.com/office/drawing/2014/main" id="{7267644B-255F-614E-9CC6-740325E9DD94}"/>
+          <p:cNvPr id="3" name="Image 2">
+            <a:extLst>
+              <a:ext uri="{FF2B5EF4-FFF2-40B4-BE49-F238E27FC236}">
+                <a16:creationId xmlns:a16="http://schemas.microsoft.com/office/drawing/2014/main" id="{F57D386A-0819-814A-877B-662B18B297FC}"/>
               </a:ext>
             </a:extLst>
           </p:cNvPr>
@@ -5542,8 +4320,8 @@
         </p:blipFill>
         <p:spPr>
           <a:xfrm>
-            <a:off x="0" y="469888"/>
-            <a:ext cx="12192000" cy="5918224"/>
+            <a:off x="452788" y="0"/>
+            <a:ext cx="11286424" cy="6858000"/>
           </a:xfrm>
           <a:prstGeom prst="rect">
             <a:avLst/>
@@ -5598,76 +4376,58 @@
         </p:nvSpPr>
         <p:spPr>
           <a:xfrm>
-            <a:off x="838200" y="365125"/>
-            <a:ext cx="10515600" cy="4156075"/>
+            <a:off x="838200" y="365126"/>
+            <a:ext cx="10515600" cy="556532"/>
           </a:xfrm>
         </p:spPr>
         <p:txBody>
-          <a:bodyPr/>
+          <a:bodyPr>
+            <a:normAutofit fontScale="90000"/>
+          </a:bodyPr>
           <a:lstStyle/>
           <a:p>
             <a:pPr algn="ctr"/>
             <a:r>
+              <a:rPr lang="fr-FR" dirty="0" err="1"/>
+              <a:t>Validator</a:t>
+            </a:r>
+            <a:r>
               <a:rPr lang="fr-FR" dirty="0"/>
-              <a:t>Intégration Cours html5 et css3</a:t>
-            </a:r>
-          </a:p>
-        </p:txBody>
-      </p:sp>
-      <p:sp>
-        <p:nvSpPr>
-          <p:cNvPr id="3" name="Espace réservé du contenu 2">
-            <a:extLst>
-              <a:ext uri="{FF2B5EF4-FFF2-40B4-BE49-F238E27FC236}">
-                <a16:creationId xmlns:a16="http://schemas.microsoft.com/office/drawing/2014/main" id="{20E57098-22B9-3540-BFE0-5D120F292DDE}"/>
-              </a:ext>
-            </a:extLst>
-          </p:cNvPr>
-          <p:cNvSpPr>
-            <a:spLocks noGrp="1"/>
-          </p:cNvSpPr>
-          <p:nvPr>
-            <p:ph idx="1"/>
-          </p:nvPr>
-        </p:nvSpPr>
+              <a:t> W3C en html</a:t>
+            </a:r>
+          </a:p>
+        </p:txBody>
+      </p:sp>
+      <p:pic>
+        <p:nvPicPr>
+          <p:cNvPr id="7" name="Image 6">
+            <a:extLst>
+              <a:ext uri="{FF2B5EF4-FFF2-40B4-BE49-F238E27FC236}">
+                <a16:creationId xmlns:a16="http://schemas.microsoft.com/office/drawing/2014/main" id="{AE3AEF3A-6EAE-5A44-AE7B-20C23149614F}"/>
+              </a:ext>
+            </a:extLst>
+          </p:cNvPr>
+          <p:cNvPicPr>
+            <a:picLocks noChangeAspect="1"/>
+          </p:cNvPicPr>
+          <p:nvPr/>
+        </p:nvPicPr>
+        <p:blipFill>
+          <a:blip r:embed="rId2"/>
+          <a:stretch>
+            <a:fillRect/>
+          </a:stretch>
+        </p:blipFill>
         <p:spPr>
           <a:xfrm>
-            <a:off x="838200" y="4927600"/>
-            <a:ext cx="10515600" cy="1249362"/>
+            <a:off x="2476500" y="1504950"/>
+            <a:ext cx="7239000" cy="3848100"/>
           </a:xfrm>
+          <a:prstGeom prst="rect">
+            <a:avLst/>
+          </a:prstGeom>
         </p:spPr>
-        <p:txBody>
-          <a:bodyPr/>
-          <a:lstStyle/>
-          <a:p>
-            <a:pPr marL="0" indent="0" algn="ctr">
-              <a:buNone/>
-            </a:pPr>
-            <a:r>
-              <a:rPr lang="fr-FR" dirty="0"/>
-              <a:t>Site Crée pour l’entrainement :</a:t>
-            </a:r>
-          </a:p>
-          <a:p>
-            <a:pPr marL="0" indent="0" algn="ctr">
-              <a:buNone/>
-            </a:pPr>
-            <a:r>
-              <a:rPr lang="fr-FR" u="sng" dirty="0" err="1">
-                <a:solidFill>
-                  <a:srgbClr val="0070C0"/>
-                </a:solidFill>
-              </a:rPr>
-              <a:t>www.schlunks.software</a:t>
-            </a:r>
-            <a:endParaRPr lang="fr-FR" u="sng" dirty="0">
-              <a:solidFill>
-                <a:srgbClr val="0070C0"/>
-              </a:solidFill>
-            </a:endParaRPr>
-          </a:p>
-        </p:txBody>
-      </p:sp>
+      </p:pic>
     </p:spTree>
     <p:extLst>
       <p:ext uri="{BB962C8B-B14F-4D97-AF65-F5344CB8AC3E}">
@@ -5698,21 +4458,61 @@
           <a:chExt cx="0" cy="0"/>
         </a:xfrm>
       </p:grpSpPr>
+      <p:sp>
+        <p:nvSpPr>
+          <p:cNvPr id="2" name="Titre 1">
+            <a:extLst>
+              <a:ext uri="{FF2B5EF4-FFF2-40B4-BE49-F238E27FC236}">
+                <a16:creationId xmlns:a16="http://schemas.microsoft.com/office/drawing/2014/main" id="{97A59B3F-8BA8-5C41-8482-4D9A89FCD440}"/>
+              </a:ext>
+            </a:extLst>
+          </p:cNvPr>
+          <p:cNvSpPr>
+            <a:spLocks noGrp="1"/>
+          </p:cNvSpPr>
+          <p:nvPr>
+            <p:ph type="title"/>
+          </p:nvPr>
+        </p:nvSpPr>
+        <p:spPr>
+          <a:xfrm>
+            <a:off x="3877128" y="336096"/>
+            <a:ext cx="4437743" cy="1325563"/>
+          </a:xfrm>
+        </p:spPr>
+        <p:txBody>
+          <a:bodyPr/>
+          <a:lstStyle/>
+          <a:p>
+            <a:r>
+              <a:rPr lang="fr-FR" dirty="0" err="1"/>
+              <a:t>Validator</a:t>
+            </a:r>
+            <a:r>
+              <a:rPr lang="fr-FR" dirty="0"/>
+              <a:t> W3C </a:t>
+            </a:r>
+            <a:r>
+              <a:rPr lang="fr-FR" dirty="0" err="1"/>
+              <a:t>Css</a:t>
+            </a:r>
+            <a:endParaRPr lang="fr-FR" dirty="0"/>
+          </a:p>
+        </p:txBody>
+      </p:sp>
       <p:pic>
         <p:nvPicPr>
-          <p:cNvPr id="5" name="Espace réservé du contenu 4">
-            <a:extLst>
-              <a:ext uri="{FF2B5EF4-FFF2-40B4-BE49-F238E27FC236}">
-                <a16:creationId xmlns:a16="http://schemas.microsoft.com/office/drawing/2014/main" id="{254CCD12-FA90-EC4D-82F7-27BE069887C1}"/>
+          <p:cNvPr id="5" name="Image 4">
+            <a:extLst>
+              <a:ext uri="{FF2B5EF4-FFF2-40B4-BE49-F238E27FC236}">
+                <a16:creationId xmlns:a16="http://schemas.microsoft.com/office/drawing/2014/main" id="{33295725-AE92-984A-92BB-6A4E3B2959B5}"/>
               </a:ext>
             </a:extLst>
           </p:cNvPr>
           <p:cNvPicPr>
-            <a:picLocks noGrp="1" noChangeAspect="1"/>
+            <a:picLocks noChangeAspect="1"/>
           </p:cNvPicPr>
-          <p:nvPr>
-            <p:ph idx="1"/>
-          </p:nvPr>
+          <p:nvPr/>
         </p:nvPicPr>
         <p:blipFill>
           <a:blip r:embed="rId2"/>
@@ -5722,24 +4522,24 @@
         </p:blipFill>
         <p:spPr>
           <a:xfrm>
-            <a:off x="2658533" y="52156"/>
-            <a:ext cx="5867399" cy="6740769"/>
+            <a:off x="1206500" y="2012950"/>
+            <a:ext cx="9779000" cy="2832100"/>
           </a:xfrm>
+          <a:prstGeom prst="rect">
+            <a:avLst/>
+          </a:prstGeom>
         </p:spPr>
       </p:pic>
     </p:spTree>
     <p:extLst>
       <p:ext uri="{BB962C8B-B14F-4D97-AF65-F5344CB8AC3E}">
-        <p14:creationId xmlns:p14="http://schemas.microsoft.com/office/powerpoint/2010/main" val="3570772756"/>
+        <p14:creationId xmlns:p14="http://schemas.microsoft.com/office/powerpoint/2010/main" val="2753554182"/>
       </p:ext>
     </p:extLst>
   </p:cSld>
   <p:clrMapOvr>
     <a:masterClrMapping/>
   </p:clrMapOvr>
-  <p:transition spd="slow">
-    <p:randomBar dir="vert"/>
-  </p:transition>
 </p:sld>
 </file>
 
@@ -5765,7 +4565,7 @@
           <p:cNvPr id="2" name="Titre 1">
             <a:extLst>
               <a:ext uri="{FF2B5EF4-FFF2-40B4-BE49-F238E27FC236}">
-                <a16:creationId xmlns:a16="http://schemas.microsoft.com/office/drawing/2014/main" id="{4E46B925-6592-D543-8AA5-AFA764ACF381}"/>
+                <a16:creationId xmlns:a16="http://schemas.microsoft.com/office/drawing/2014/main" id="{ED8D4654-CB02-A045-B000-B567FB6A8EA5}"/>
               </a:ext>
             </a:extLst>
           </p:cNvPr>
@@ -5778,90 +4578,55 @@
         </p:nvSpPr>
         <p:spPr>
           <a:xfrm>
-            <a:off x="838200" y="365125"/>
-            <a:ext cx="10515600" cy="6298142"/>
+            <a:off x="3093373" y="285296"/>
+            <a:ext cx="6511472" cy="1325563"/>
           </a:xfrm>
         </p:spPr>
         <p:txBody>
           <a:bodyPr/>
           <a:lstStyle/>
           <a:p>
-            <a:pPr algn="ctr"/>
             <a:r>
               <a:rPr lang="fr-FR" dirty="0"/>
-              <a:t>Pour le projet 2 découpage de la maquette …</a:t>
-            </a:r>
-          </a:p>
-        </p:txBody>
-      </p:sp>
-      <p:sp>
-        <p:nvSpPr>
-          <p:cNvPr id="7" name="Espace réservé du contenu 6">
-            <a:extLst>
-              <a:ext uri="{FF2B5EF4-FFF2-40B4-BE49-F238E27FC236}">
-                <a16:creationId xmlns:a16="http://schemas.microsoft.com/office/drawing/2014/main" id="{3F5466BD-D77A-A742-BC09-A7476879817C}"/>
-              </a:ext>
-            </a:extLst>
-          </p:cNvPr>
-          <p:cNvSpPr>
-            <a:spLocks noGrp="1"/>
-          </p:cNvSpPr>
-          <p:nvPr>
-            <p:ph idx="1"/>
-          </p:nvPr>
-        </p:nvSpPr>
-        <p:spPr/>
-        <p:txBody>
-          <a:bodyPr/>
-          <a:lstStyle/>
-          <a:p>
-            <a:pPr marL="0" indent="0">
-              <a:buNone/>
-            </a:pPr>
-            <a:r>
-              <a:rPr lang="fr-FR" dirty="0"/>
-              <a:t> </a:t>
-            </a:r>
-          </a:p>
-          <a:p>
-            <a:pPr marL="0" indent="0">
-              <a:buNone/>
-            </a:pPr>
-            <a:endParaRPr lang="fr-FR" dirty="0"/>
-          </a:p>
-          <a:p>
-            <a:pPr marL="0" indent="0">
-              <a:buNone/>
-            </a:pPr>
-            <a:endParaRPr lang="fr-FR" dirty="0"/>
-          </a:p>
-          <a:p>
-            <a:pPr marL="0" indent="0">
-              <a:buNone/>
-            </a:pPr>
-            <a:endParaRPr lang="fr-FR" dirty="0"/>
-          </a:p>
-          <a:p>
-            <a:pPr marL="0" indent="0">
-              <a:buNone/>
-            </a:pPr>
-            <a:endParaRPr lang="fr-FR" dirty="0"/>
-          </a:p>
-          <a:p>
-            <a:pPr marL="0" indent="0" algn="ctr">
-              <a:buNone/>
-            </a:pPr>
-            <a:r>
-              <a:rPr lang="fr-FR" dirty="0"/>
-              <a:t>Pas encore sur de mes choix …</a:t>
-            </a:r>
-          </a:p>
-        </p:txBody>
-      </p:sp>
+              <a:t>Responsive Design Desktop</a:t>
+            </a:r>
+          </a:p>
+        </p:txBody>
+      </p:sp>
+      <p:pic>
+        <p:nvPicPr>
+          <p:cNvPr id="5" name="Image 4">
+            <a:extLst>
+              <a:ext uri="{FF2B5EF4-FFF2-40B4-BE49-F238E27FC236}">
+                <a16:creationId xmlns:a16="http://schemas.microsoft.com/office/drawing/2014/main" id="{4A3853EA-5697-D347-89CE-95342BC0FF73}"/>
+              </a:ext>
+            </a:extLst>
+          </p:cNvPr>
+          <p:cNvPicPr>
+            <a:picLocks noChangeAspect="1"/>
+          </p:cNvPicPr>
+          <p:nvPr/>
+        </p:nvPicPr>
+        <p:blipFill>
+          <a:blip r:embed="rId2"/>
+          <a:stretch>
+            <a:fillRect/>
+          </a:stretch>
+        </p:blipFill>
+        <p:spPr>
+          <a:xfrm>
+            <a:off x="3307474" y="1351408"/>
+            <a:ext cx="6083270" cy="5049391"/>
+          </a:xfrm>
+          <a:prstGeom prst="rect">
+            <a:avLst/>
+          </a:prstGeom>
+        </p:spPr>
+      </p:pic>
     </p:spTree>
     <p:extLst>
       <p:ext uri="{BB962C8B-B14F-4D97-AF65-F5344CB8AC3E}">
-        <p14:creationId xmlns:p14="http://schemas.microsoft.com/office/powerpoint/2010/main" val="1579870642"/>
+        <p14:creationId xmlns:p14="http://schemas.microsoft.com/office/powerpoint/2010/main" val="1480415945"/>
       </p:ext>
     </p:extLst>
   </p:cSld>
@@ -5888,21 +4653,52 @@
           <a:chExt cx="0" cy="0"/>
         </a:xfrm>
       </p:grpSpPr>
+      <p:sp>
+        <p:nvSpPr>
+          <p:cNvPr id="2" name="Titre 1">
+            <a:extLst>
+              <a:ext uri="{FF2B5EF4-FFF2-40B4-BE49-F238E27FC236}">
+                <a16:creationId xmlns:a16="http://schemas.microsoft.com/office/drawing/2014/main" id="{5058D8E1-A523-DA43-B6C9-592332E64BCA}"/>
+              </a:ext>
+            </a:extLst>
+          </p:cNvPr>
+          <p:cNvSpPr>
+            <a:spLocks noGrp="1"/>
+          </p:cNvSpPr>
+          <p:nvPr>
+            <p:ph type="title"/>
+          </p:nvPr>
+        </p:nvSpPr>
+        <p:spPr>
+          <a:xfrm>
+            <a:off x="3042557" y="336096"/>
+            <a:ext cx="6106886" cy="1325563"/>
+          </a:xfrm>
+        </p:spPr>
+        <p:txBody>
+          <a:bodyPr/>
+          <a:lstStyle/>
+          <a:p>
+            <a:r>
+              <a:rPr lang="fr-FR" dirty="0"/>
+              <a:t>Responsive Design Mobile</a:t>
+            </a:r>
+          </a:p>
+        </p:txBody>
+      </p:sp>
       <p:pic>
         <p:nvPicPr>
-          <p:cNvPr id="5" name="Espace réservé du contenu 4">
-            <a:extLst>
-              <a:ext uri="{FF2B5EF4-FFF2-40B4-BE49-F238E27FC236}">
-                <a16:creationId xmlns:a16="http://schemas.microsoft.com/office/drawing/2014/main" id="{D082231C-35F2-424D-850E-5869AA928D84}"/>
+          <p:cNvPr id="5" name="Image 4">
+            <a:extLst>
+              <a:ext uri="{FF2B5EF4-FFF2-40B4-BE49-F238E27FC236}">
+                <a16:creationId xmlns:a16="http://schemas.microsoft.com/office/drawing/2014/main" id="{59AC5882-D1AD-BB44-AD58-BF49E02583A3}"/>
               </a:ext>
             </a:extLst>
           </p:cNvPr>
           <p:cNvPicPr>
-            <a:picLocks noGrp="1" noChangeAspect="1"/>
+            <a:picLocks noChangeAspect="1"/>
           </p:cNvPicPr>
-          <p:nvPr>
-            <p:ph idx="1"/>
-          </p:nvPr>
+          <p:nvPr/>
         </p:nvPicPr>
         <p:blipFill>
           <a:blip r:embed="rId2"/>
@@ -5912,615 +4708,24 @@
         </p:blipFill>
         <p:spPr>
           <a:xfrm>
-            <a:off x="3090333" y="69174"/>
-            <a:ext cx="5130800" cy="6712295"/>
-          </a:xfrm>
-        </p:spPr>
-      </p:pic>
-      <p:sp>
-        <p:nvSpPr>
-          <p:cNvPr id="6" name="Rectangle 5">
-            <a:extLst>
-              <a:ext uri="{FF2B5EF4-FFF2-40B4-BE49-F238E27FC236}">
-                <a16:creationId xmlns:a16="http://schemas.microsoft.com/office/drawing/2014/main" id="{BC492A7A-AD8C-B54D-8421-9993B1A0DB2B}"/>
-              </a:ext>
-            </a:extLst>
-          </p:cNvPr>
-          <p:cNvSpPr/>
-          <p:nvPr/>
-        </p:nvSpPr>
-        <p:spPr>
-          <a:xfrm>
-            <a:off x="3090333" y="69174"/>
-            <a:ext cx="4982513" cy="1472243"/>
+            <a:off x="4843126" y="1320799"/>
+            <a:ext cx="2505747" cy="4983857"/>
           </a:xfrm>
           <a:prstGeom prst="rect">
             <a:avLst/>
           </a:prstGeom>
-          <a:noFill/>
         </p:spPr>
-        <p:style>
-          <a:lnRef idx="2">
-            <a:schemeClr val="accent2">
-              <a:shade val="50000"/>
-            </a:schemeClr>
-          </a:lnRef>
-          <a:fillRef idx="1">
-            <a:schemeClr val="accent2"/>
-          </a:fillRef>
-          <a:effectRef idx="0">
-            <a:schemeClr val="accent2"/>
-          </a:effectRef>
-          <a:fontRef idx="minor">
-            <a:schemeClr val="lt1"/>
-          </a:fontRef>
-        </p:style>
-        <p:txBody>
-          <a:bodyPr rtlCol="0" anchor="ctr"/>
-          <a:lstStyle/>
-          <a:p>
-            <a:pPr algn="ctr"/>
-            <a:endParaRPr lang="fr-FR" b="1">
-              <a:ln w="22225">
-                <a:solidFill>
-                  <a:schemeClr val="accent2"/>
-                </a:solidFill>
-                <a:prstDash val="solid"/>
-              </a:ln>
-              <a:solidFill>
-                <a:schemeClr val="accent2"/>
-              </a:solidFill>
-            </a:endParaRPr>
-          </a:p>
-        </p:txBody>
-      </p:sp>
-      <p:sp>
-        <p:nvSpPr>
-          <p:cNvPr id="7" name="Rectangle 6">
-            <a:extLst>
-              <a:ext uri="{FF2B5EF4-FFF2-40B4-BE49-F238E27FC236}">
-                <a16:creationId xmlns:a16="http://schemas.microsoft.com/office/drawing/2014/main" id="{9E144ACC-131C-9D45-9E70-366A4694CB2E}"/>
-              </a:ext>
-            </a:extLst>
-          </p:cNvPr>
-          <p:cNvSpPr/>
-          <p:nvPr/>
-        </p:nvSpPr>
-        <p:spPr>
-          <a:xfrm>
-            <a:off x="3090332" y="1590402"/>
-            <a:ext cx="4982513" cy="2397034"/>
-          </a:xfrm>
-          <a:prstGeom prst="rect">
-            <a:avLst/>
-          </a:prstGeom>
-          <a:noFill/>
-        </p:spPr>
-        <p:style>
-          <a:lnRef idx="2">
-            <a:schemeClr val="accent2">
-              <a:shade val="50000"/>
-            </a:schemeClr>
-          </a:lnRef>
-          <a:fillRef idx="1">
-            <a:schemeClr val="accent2"/>
-          </a:fillRef>
-          <a:effectRef idx="0">
-            <a:schemeClr val="accent2"/>
-          </a:effectRef>
-          <a:fontRef idx="minor">
-            <a:schemeClr val="lt1"/>
-          </a:fontRef>
-        </p:style>
-        <p:txBody>
-          <a:bodyPr rtlCol="0" anchor="ctr"/>
-          <a:lstStyle/>
-          <a:p>
-            <a:pPr algn="ctr"/>
-            <a:endParaRPr lang="fr-FR" b="1">
-              <a:ln w="22225">
-                <a:solidFill>
-                  <a:schemeClr val="accent2"/>
-                </a:solidFill>
-                <a:prstDash val="solid"/>
-              </a:ln>
-              <a:solidFill>
-                <a:schemeClr val="accent2"/>
-              </a:solidFill>
-            </a:endParaRPr>
-          </a:p>
-        </p:txBody>
-      </p:sp>
-      <p:sp>
-        <p:nvSpPr>
-          <p:cNvPr id="8" name="Rectangle 7">
-            <a:extLst>
-              <a:ext uri="{FF2B5EF4-FFF2-40B4-BE49-F238E27FC236}">
-                <a16:creationId xmlns:a16="http://schemas.microsoft.com/office/drawing/2014/main" id="{DD2431EB-638A-4F49-B609-EDBF00F82BEC}"/>
-              </a:ext>
-            </a:extLst>
-          </p:cNvPr>
-          <p:cNvSpPr/>
-          <p:nvPr/>
-        </p:nvSpPr>
-        <p:spPr>
-          <a:xfrm>
-            <a:off x="6459584" y="1626325"/>
-            <a:ext cx="1554480" cy="2233749"/>
-          </a:xfrm>
-          <a:prstGeom prst="rect">
-            <a:avLst/>
-          </a:prstGeom>
-          <a:noFill/>
-        </p:spPr>
-        <p:style>
-          <a:lnRef idx="2">
-            <a:schemeClr val="accent2">
-              <a:shade val="50000"/>
-            </a:schemeClr>
-          </a:lnRef>
-          <a:fillRef idx="1">
-            <a:schemeClr val="accent2"/>
-          </a:fillRef>
-          <a:effectRef idx="0">
-            <a:schemeClr val="accent2"/>
-          </a:effectRef>
-          <a:fontRef idx="minor">
-            <a:schemeClr val="lt1"/>
-          </a:fontRef>
-        </p:style>
-        <p:txBody>
-          <a:bodyPr rtlCol="0" anchor="ctr"/>
-          <a:lstStyle/>
-          <a:p>
-            <a:pPr algn="ctr"/>
-            <a:endParaRPr lang="fr-FR" b="1">
-              <a:ln w="22225">
-                <a:solidFill>
-                  <a:schemeClr val="accent2"/>
-                </a:solidFill>
-                <a:prstDash val="solid"/>
-              </a:ln>
-              <a:solidFill>
-                <a:schemeClr val="accent2"/>
-              </a:solidFill>
-            </a:endParaRPr>
-          </a:p>
-        </p:txBody>
-      </p:sp>
-      <p:sp>
-        <p:nvSpPr>
-          <p:cNvPr id="9" name="Rectangle 8">
-            <a:extLst>
-              <a:ext uri="{FF2B5EF4-FFF2-40B4-BE49-F238E27FC236}">
-                <a16:creationId xmlns:a16="http://schemas.microsoft.com/office/drawing/2014/main" id="{0FCF7F3C-4FC1-D949-ABCE-790CA9A0756B}"/>
-              </a:ext>
-            </a:extLst>
-          </p:cNvPr>
-          <p:cNvSpPr/>
-          <p:nvPr/>
-        </p:nvSpPr>
-        <p:spPr>
-          <a:xfrm>
-            <a:off x="3090332" y="4036421"/>
-            <a:ext cx="4982513" cy="1848396"/>
-          </a:xfrm>
-          <a:prstGeom prst="rect">
-            <a:avLst/>
-          </a:prstGeom>
-          <a:noFill/>
-        </p:spPr>
-        <p:style>
-          <a:lnRef idx="2">
-            <a:schemeClr val="accent2">
-              <a:shade val="50000"/>
-            </a:schemeClr>
-          </a:lnRef>
-          <a:fillRef idx="1">
-            <a:schemeClr val="accent2"/>
-          </a:fillRef>
-          <a:effectRef idx="0">
-            <a:schemeClr val="accent2"/>
-          </a:effectRef>
-          <a:fontRef idx="minor">
-            <a:schemeClr val="lt1"/>
-          </a:fontRef>
-        </p:style>
-        <p:txBody>
-          <a:bodyPr rtlCol="0" anchor="ctr"/>
-          <a:lstStyle/>
-          <a:p>
-            <a:pPr algn="ctr"/>
-            <a:endParaRPr lang="fr-FR" b="1">
-              <a:ln w="22225">
-                <a:solidFill>
-                  <a:schemeClr val="accent2"/>
-                </a:solidFill>
-                <a:prstDash val="solid"/>
-              </a:ln>
-              <a:solidFill>
-                <a:schemeClr val="accent2"/>
-              </a:solidFill>
-            </a:endParaRPr>
-          </a:p>
-        </p:txBody>
-      </p:sp>
-      <p:sp>
-        <p:nvSpPr>
-          <p:cNvPr id="10" name="Rectangle 9">
-            <a:extLst>
-              <a:ext uri="{FF2B5EF4-FFF2-40B4-BE49-F238E27FC236}">
-                <a16:creationId xmlns:a16="http://schemas.microsoft.com/office/drawing/2014/main" id="{A7DED811-5CCC-6E4D-BE75-2105F84552E7}"/>
-              </a:ext>
-            </a:extLst>
-          </p:cNvPr>
-          <p:cNvSpPr/>
-          <p:nvPr/>
-        </p:nvSpPr>
-        <p:spPr>
-          <a:xfrm>
-            <a:off x="3090332" y="5933802"/>
-            <a:ext cx="4982513" cy="911348"/>
-          </a:xfrm>
-          <a:prstGeom prst="rect">
-            <a:avLst/>
-          </a:prstGeom>
-          <a:noFill/>
-        </p:spPr>
-        <p:style>
-          <a:lnRef idx="2">
-            <a:schemeClr val="accent2">
-              <a:shade val="50000"/>
-            </a:schemeClr>
-          </a:lnRef>
-          <a:fillRef idx="1">
-            <a:schemeClr val="accent2"/>
-          </a:fillRef>
-          <a:effectRef idx="0">
-            <a:schemeClr val="accent2"/>
-          </a:effectRef>
-          <a:fontRef idx="minor">
-            <a:schemeClr val="lt1"/>
-          </a:fontRef>
-        </p:style>
-        <p:txBody>
-          <a:bodyPr rtlCol="0" anchor="ctr"/>
-          <a:lstStyle/>
-          <a:p>
-            <a:pPr algn="ctr"/>
-            <a:endParaRPr lang="fr-FR" b="1">
-              <a:ln w="22225">
-                <a:solidFill>
-                  <a:schemeClr val="accent2"/>
-                </a:solidFill>
-                <a:prstDash val="solid"/>
-              </a:ln>
-              <a:solidFill>
-                <a:schemeClr val="accent2"/>
-              </a:solidFill>
-            </a:endParaRPr>
-          </a:p>
-        </p:txBody>
-      </p:sp>
-      <p:sp>
-        <p:nvSpPr>
-          <p:cNvPr id="11" name="Rectangle 10">
-            <a:extLst>
-              <a:ext uri="{FF2B5EF4-FFF2-40B4-BE49-F238E27FC236}">
-                <a16:creationId xmlns:a16="http://schemas.microsoft.com/office/drawing/2014/main" id="{69243F12-2E05-1F44-808C-3D6EEB04F25F}"/>
-              </a:ext>
-            </a:extLst>
-          </p:cNvPr>
-          <p:cNvSpPr/>
-          <p:nvPr/>
-        </p:nvSpPr>
-        <p:spPr>
-          <a:xfrm>
-            <a:off x="6374674" y="221574"/>
-            <a:ext cx="1639390" cy="222563"/>
-          </a:xfrm>
-          <a:prstGeom prst="rect">
-            <a:avLst/>
-          </a:prstGeom>
-          <a:noFill/>
-        </p:spPr>
-        <p:style>
-          <a:lnRef idx="2">
-            <a:schemeClr val="accent2">
-              <a:shade val="50000"/>
-            </a:schemeClr>
-          </a:lnRef>
-          <a:fillRef idx="1">
-            <a:schemeClr val="accent2"/>
-          </a:fillRef>
-          <a:effectRef idx="0">
-            <a:schemeClr val="accent2"/>
-          </a:effectRef>
-          <a:fontRef idx="minor">
-            <a:schemeClr val="lt1"/>
-          </a:fontRef>
-        </p:style>
-        <p:txBody>
-          <a:bodyPr rtlCol="0" anchor="ctr"/>
-          <a:lstStyle/>
-          <a:p>
-            <a:pPr algn="ctr"/>
-            <a:endParaRPr lang="fr-FR" b="1">
-              <a:ln w="22225">
-                <a:solidFill>
-                  <a:schemeClr val="accent2"/>
-                </a:solidFill>
-                <a:prstDash val="solid"/>
-              </a:ln>
-              <a:solidFill>
-                <a:schemeClr val="accent2"/>
-              </a:solidFill>
-            </a:endParaRPr>
-          </a:p>
-        </p:txBody>
-      </p:sp>
-      <p:sp>
-        <p:nvSpPr>
-          <p:cNvPr id="12" name="ZoneTexte 11">
-            <a:extLst>
-              <a:ext uri="{FF2B5EF4-FFF2-40B4-BE49-F238E27FC236}">
-                <a16:creationId xmlns:a16="http://schemas.microsoft.com/office/drawing/2014/main" id="{329EF7CB-483F-6D4D-80AA-40CF9AC53561}"/>
-              </a:ext>
-            </a:extLst>
-          </p:cNvPr>
-          <p:cNvSpPr txBox="1"/>
-          <p:nvPr/>
-        </p:nvSpPr>
-        <p:spPr>
-          <a:xfrm>
-            <a:off x="4401407" y="20189"/>
-            <a:ext cx="872355" cy="369332"/>
-          </a:xfrm>
-          <a:prstGeom prst="rect">
-            <a:avLst/>
-          </a:prstGeom>
-          <a:noFill/>
-        </p:spPr>
-        <p:txBody>
-          <a:bodyPr wrap="none" rtlCol="0">
-            <a:spAutoFit/>
-          </a:bodyPr>
-          <a:lstStyle/>
-          <a:p>
-            <a:r>
-              <a:rPr lang="fr-FR" dirty="0">
-                <a:solidFill>
-                  <a:srgbClr val="FF0000"/>
-                </a:solidFill>
-              </a:rPr>
-              <a:t>Header</a:t>
-            </a:r>
-          </a:p>
-        </p:txBody>
-      </p:sp>
-      <p:sp>
-        <p:nvSpPr>
-          <p:cNvPr id="13" name="ZoneTexte 12">
-            <a:extLst>
-              <a:ext uri="{FF2B5EF4-FFF2-40B4-BE49-F238E27FC236}">
-                <a16:creationId xmlns:a16="http://schemas.microsoft.com/office/drawing/2014/main" id="{359D6F12-7A06-BC45-992A-65D47D76727C}"/>
-              </a:ext>
-            </a:extLst>
-          </p:cNvPr>
-          <p:cNvSpPr txBox="1"/>
-          <p:nvPr/>
-        </p:nvSpPr>
-        <p:spPr>
-          <a:xfrm>
-            <a:off x="6964473" y="204855"/>
-            <a:ext cx="544701" cy="369332"/>
-          </a:xfrm>
-          <a:prstGeom prst="rect">
-            <a:avLst/>
-          </a:prstGeom>
-          <a:noFill/>
-        </p:spPr>
-        <p:txBody>
-          <a:bodyPr wrap="none" rtlCol="0">
-            <a:spAutoFit/>
-          </a:bodyPr>
-          <a:lstStyle/>
-          <a:p>
-            <a:r>
-              <a:rPr lang="fr-FR" dirty="0" err="1">
-                <a:solidFill>
-                  <a:srgbClr val="FF0000"/>
-                </a:solidFill>
-              </a:rPr>
-              <a:t>Nav</a:t>
-            </a:r>
-            <a:endParaRPr lang="fr-FR" dirty="0">
-              <a:solidFill>
-                <a:srgbClr val="FF0000"/>
-              </a:solidFill>
-            </a:endParaRPr>
-          </a:p>
-        </p:txBody>
-      </p:sp>
-      <p:sp>
-        <p:nvSpPr>
-          <p:cNvPr id="14" name="ZoneTexte 13">
-            <a:extLst>
-              <a:ext uri="{FF2B5EF4-FFF2-40B4-BE49-F238E27FC236}">
-                <a16:creationId xmlns:a16="http://schemas.microsoft.com/office/drawing/2014/main" id="{957D355E-1A85-7D44-9CB4-898C0986639E}"/>
-              </a:ext>
-            </a:extLst>
-          </p:cNvPr>
-          <p:cNvSpPr txBox="1"/>
-          <p:nvPr/>
-        </p:nvSpPr>
-        <p:spPr>
-          <a:xfrm>
-            <a:off x="4437091" y="1526721"/>
-            <a:ext cx="910827" cy="369332"/>
-          </a:xfrm>
-          <a:prstGeom prst="rect">
-            <a:avLst/>
-          </a:prstGeom>
-          <a:noFill/>
-        </p:spPr>
-        <p:txBody>
-          <a:bodyPr wrap="none" rtlCol="0">
-            <a:spAutoFit/>
-          </a:bodyPr>
-          <a:lstStyle/>
-          <a:p>
-            <a:r>
-              <a:rPr lang="fr-FR" dirty="0">
-                <a:solidFill>
-                  <a:srgbClr val="FF0000"/>
-                </a:solidFill>
-              </a:rPr>
-              <a:t>Article1</a:t>
-            </a:r>
-          </a:p>
-        </p:txBody>
-      </p:sp>
-      <p:sp>
-        <p:nvSpPr>
-          <p:cNvPr id="15" name="ZoneTexte 14">
-            <a:extLst>
-              <a:ext uri="{FF2B5EF4-FFF2-40B4-BE49-F238E27FC236}">
-                <a16:creationId xmlns:a16="http://schemas.microsoft.com/office/drawing/2014/main" id="{2D6146E2-8597-F542-A53D-D5BC121A7D91}"/>
-              </a:ext>
-            </a:extLst>
-          </p:cNvPr>
-          <p:cNvSpPr txBox="1"/>
-          <p:nvPr/>
-        </p:nvSpPr>
-        <p:spPr>
-          <a:xfrm>
-            <a:off x="6888009" y="3526665"/>
-            <a:ext cx="697627" cy="369332"/>
-          </a:xfrm>
-          <a:prstGeom prst="rect">
-            <a:avLst/>
-          </a:prstGeom>
-          <a:noFill/>
-        </p:spPr>
-        <p:txBody>
-          <a:bodyPr wrap="none" rtlCol="0">
-            <a:spAutoFit/>
-          </a:bodyPr>
-          <a:lstStyle/>
-          <a:p>
-            <a:r>
-              <a:rPr lang="fr-FR" dirty="0" err="1">
-                <a:solidFill>
-                  <a:srgbClr val="FF0000"/>
-                </a:solidFill>
-              </a:rPr>
-              <a:t>Aside</a:t>
-            </a:r>
-            <a:endParaRPr lang="fr-FR" dirty="0">
-              <a:solidFill>
-                <a:srgbClr val="FF0000"/>
-              </a:solidFill>
-            </a:endParaRPr>
-          </a:p>
-        </p:txBody>
-      </p:sp>
-      <p:sp>
-        <p:nvSpPr>
-          <p:cNvPr id="16" name="ZoneTexte 15">
-            <a:extLst>
-              <a:ext uri="{FF2B5EF4-FFF2-40B4-BE49-F238E27FC236}">
-                <a16:creationId xmlns:a16="http://schemas.microsoft.com/office/drawing/2014/main" id="{0D176D76-26C5-644C-A35C-12C966C542C0}"/>
-              </a:ext>
-            </a:extLst>
-          </p:cNvPr>
-          <p:cNvSpPr txBox="1"/>
-          <p:nvPr/>
-        </p:nvSpPr>
-        <p:spPr>
-          <a:xfrm>
-            <a:off x="4437091" y="3972740"/>
-            <a:ext cx="910827" cy="369332"/>
-          </a:xfrm>
-          <a:prstGeom prst="rect">
-            <a:avLst/>
-          </a:prstGeom>
-          <a:noFill/>
-        </p:spPr>
-        <p:txBody>
-          <a:bodyPr wrap="none" rtlCol="0">
-            <a:spAutoFit/>
-          </a:bodyPr>
-          <a:lstStyle/>
-          <a:p>
-            <a:r>
-              <a:rPr lang="fr-FR" dirty="0">
-                <a:solidFill>
-                  <a:srgbClr val="FF0000"/>
-                </a:solidFill>
-              </a:rPr>
-              <a:t>Article2</a:t>
-            </a:r>
-          </a:p>
-        </p:txBody>
-      </p:sp>
-      <p:sp>
-        <p:nvSpPr>
-          <p:cNvPr id="17" name="ZoneTexte 16">
-            <a:extLst>
-              <a:ext uri="{FF2B5EF4-FFF2-40B4-BE49-F238E27FC236}">
-                <a16:creationId xmlns:a16="http://schemas.microsoft.com/office/drawing/2014/main" id="{8A338A7F-E6F5-7643-9124-0399B023644B}"/>
-              </a:ext>
-            </a:extLst>
-          </p:cNvPr>
-          <p:cNvSpPr txBox="1"/>
-          <p:nvPr/>
-        </p:nvSpPr>
-        <p:spPr>
-          <a:xfrm>
-            <a:off x="4437091" y="5833737"/>
-            <a:ext cx="800989" cy="369332"/>
-          </a:xfrm>
-          <a:prstGeom prst="rect">
-            <a:avLst/>
-          </a:prstGeom>
-          <a:noFill/>
-        </p:spPr>
-        <p:txBody>
-          <a:bodyPr wrap="none" rtlCol="0">
-            <a:spAutoFit/>
-          </a:bodyPr>
-          <a:lstStyle/>
-          <a:p>
-            <a:r>
-              <a:rPr lang="fr-FR" dirty="0" err="1">
-                <a:solidFill>
-                  <a:srgbClr val="FF0000"/>
-                </a:solidFill>
-              </a:rPr>
-              <a:t>Footer</a:t>
-            </a:r>
-            <a:endParaRPr lang="fr-FR" dirty="0">
-              <a:solidFill>
-                <a:srgbClr val="FF0000"/>
-              </a:solidFill>
-            </a:endParaRPr>
-          </a:p>
-        </p:txBody>
-      </p:sp>
+      </p:pic>
     </p:spTree>
     <p:extLst>
       <p:ext uri="{BB962C8B-B14F-4D97-AF65-F5344CB8AC3E}">
-        <p14:creationId xmlns:p14="http://schemas.microsoft.com/office/powerpoint/2010/main" val="2136063272"/>
+        <p14:creationId xmlns:p14="http://schemas.microsoft.com/office/powerpoint/2010/main" val="3373705924"/>
       </p:ext>
     </p:extLst>
   </p:cSld>
   <p:clrMapOvr>
     <a:masterClrMapping/>
   </p:clrMapOvr>
-  <p:transition spd="slow">
-    <p:randomBar dir="vert"/>
-  </p:transition>
 </p:sld>
 </file>
 
